--- a/docs/inverse.pptx
+++ b/docs/inverse.pptx
@@ -5,15 +5,16 @@
     <p:sldMasterId id="2147483648" r:id="rId1"/>
   </p:sldMasterIdLst>
   <p:notesMasterIdLst>
-    <p:notesMasterId r:id="rId8"/>
+    <p:notesMasterId r:id="rId9"/>
   </p:notesMasterIdLst>
   <p:sldIdLst>
     <p:sldId id="256" r:id="rId2"/>
     <p:sldId id="274" r:id="rId3"/>
     <p:sldId id="277" r:id="rId4"/>
     <p:sldId id="276" r:id="rId5"/>
-    <p:sldId id="259" r:id="rId6"/>
-    <p:sldId id="273" r:id="rId7"/>
+    <p:sldId id="278" r:id="rId6"/>
+    <p:sldId id="259" r:id="rId7"/>
+    <p:sldId id="273" r:id="rId8"/>
   </p:sldIdLst>
   <p:sldSz cx="12192000" cy="6858000"/>
   <p:notesSz cx="6858000" cy="9144000"/>
@@ -202,7 +203,7 @@
           <a:p>
             <a:fld id="{07F57EFC-2184-EC43-B4CB-DB882E5E8751}" type="datetimeFigureOut">
               <a:rPr lang="en-US" smtClean="0"/>
-              <a:t>12/14/21</a:t>
+              <a:t>12/28/21</a:t>
             </a:fld>
             <a:endParaRPr lang="en-US"/>
           </a:p>
@@ -711,6 +712,90 @@
     </p:spTree>
     <p:extLst>
       <p:ext uri="{BB962C8B-B14F-4D97-AF65-F5344CB8AC3E}">
+        <p14:creationId xmlns:p14="http://schemas.microsoft.com/office/powerpoint/2010/main" val="2731371773"/>
+      </p:ext>
+    </p:extLst>
+  </p:cSld>
+  <p:clrMapOvr>
+    <a:masterClrMapping/>
+  </p:clrMapOvr>
+</p:notes>
+</file>
+
+<file path=ppt/notesSlides/notesSlide4.xml><?xml version="1.0" encoding="utf-8"?>
+<p:notes xmlns:a="http://schemas.openxmlformats.org/drawingml/2006/main" xmlns:r="http://schemas.openxmlformats.org/officeDocument/2006/relationships" xmlns:p="http://schemas.openxmlformats.org/presentationml/2006/main">
+  <p:cSld>
+    <p:spTree>
+      <p:nvGrpSpPr>
+        <p:cNvPr id="1" name=""/>
+        <p:cNvGrpSpPr/>
+        <p:nvPr/>
+      </p:nvGrpSpPr>
+      <p:grpSpPr>
+        <a:xfrm>
+          <a:off x="0" y="0"/>
+          <a:ext cx="0" cy="0"/>
+          <a:chOff x="0" y="0"/>
+          <a:chExt cx="0" cy="0"/>
+        </a:xfrm>
+      </p:grpSpPr>
+      <p:sp>
+        <p:nvSpPr>
+          <p:cNvPr id="2" name="Slide Image Placeholder 1"/>
+          <p:cNvSpPr>
+            <a:spLocks noGrp="1" noRot="1" noChangeAspect="1"/>
+          </p:cNvSpPr>
+          <p:nvPr>
+            <p:ph type="sldImg"/>
+          </p:nvPr>
+        </p:nvSpPr>
+        <p:spPr/>
+      </p:sp>
+      <p:sp>
+        <p:nvSpPr>
+          <p:cNvPr id="3" name="Notes Placeholder 2"/>
+          <p:cNvSpPr>
+            <a:spLocks noGrp="1"/>
+          </p:cNvSpPr>
+          <p:nvPr>
+            <p:ph type="body" idx="1"/>
+          </p:nvPr>
+        </p:nvSpPr>
+        <p:spPr/>
+        <p:txBody>
+          <a:bodyPr/>
+          <a:lstStyle/>
+          <a:p>
+            <a:endParaRPr lang="en-US"/>
+          </a:p>
+        </p:txBody>
+      </p:sp>
+      <p:sp>
+        <p:nvSpPr>
+          <p:cNvPr id="4" name="Slide Number Placeholder 3"/>
+          <p:cNvSpPr>
+            <a:spLocks noGrp="1"/>
+          </p:cNvSpPr>
+          <p:nvPr>
+            <p:ph type="sldNum" sz="quarter" idx="5"/>
+          </p:nvPr>
+        </p:nvSpPr>
+        <p:spPr/>
+        <p:txBody>
+          <a:bodyPr/>
+          <a:lstStyle/>
+          <a:p>
+            <a:fld id="{26A7F145-F640-2947-8203-25937C44BEDF}" type="slidenum">
+              <a:rPr lang="en-US" smtClean="0"/>
+              <a:t>6</a:t>
+            </a:fld>
+            <a:endParaRPr lang="en-US"/>
+          </a:p>
+        </p:txBody>
+      </p:sp>
+    </p:spTree>
+    <p:extLst>
+      <p:ext uri="{BB962C8B-B14F-4D97-AF65-F5344CB8AC3E}">
         <p14:creationId xmlns:p14="http://schemas.microsoft.com/office/powerpoint/2010/main" val="263973925"/>
       </p:ext>
     </p:extLst>
@@ -868,7 +953,7 @@
           <a:p>
             <a:fld id="{952835FF-3B0E-3041-AF8C-3F69E438AA42}" type="datetimeFigureOut">
               <a:rPr lang="en-US" smtClean="0"/>
-              <a:t>12/14/21</a:t>
+              <a:t>12/28/21</a:t>
             </a:fld>
             <a:endParaRPr lang="en-US"/>
           </a:p>
@@ -1066,7 +1151,7 @@
           <a:p>
             <a:fld id="{952835FF-3B0E-3041-AF8C-3F69E438AA42}" type="datetimeFigureOut">
               <a:rPr lang="en-US" smtClean="0"/>
-              <a:t>12/14/21</a:t>
+              <a:t>12/28/21</a:t>
             </a:fld>
             <a:endParaRPr lang="en-US"/>
           </a:p>
@@ -1274,7 +1359,7 @@
           <a:p>
             <a:fld id="{952835FF-3B0E-3041-AF8C-3F69E438AA42}" type="datetimeFigureOut">
               <a:rPr lang="en-US" smtClean="0"/>
-              <a:t>12/14/21</a:t>
+              <a:t>12/28/21</a:t>
             </a:fld>
             <a:endParaRPr lang="en-US"/>
           </a:p>
@@ -1472,7 +1557,7 @@
           <a:p>
             <a:fld id="{952835FF-3B0E-3041-AF8C-3F69E438AA42}" type="datetimeFigureOut">
               <a:rPr lang="en-US" smtClean="0"/>
-              <a:t>12/14/21</a:t>
+              <a:t>12/28/21</a:t>
             </a:fld>
             <a:endParaRPr lang="en-US"/>
           </a:p>
@@ -1747,7 +1832,7 @@
           <a:p>
             <a:fld id="{952835FF-3B0E-3041-AF8C-3F69E438AA42}" type="datetimeFigureOut">
               <a:rPr lang="en-US" smtClean="0"/>
-              <a:t>12/14/21</a:t>
+              <a:t>12/28/21</a:t>
             </a:fld>
             <a:endParaRPr lang="en-US"/>
           </a:p>
@@ -2012,7 +2097,7 @@
           <a:p>
             <a:fld id="{952835FF-3B0E-3041-AF8C-3F69E438AA42}" type="datetimeFigureOut">
               <a:rPr lang="en-US" smtClean="0"/>
-              <a:t>12/14/21</a:t>
+              <a:t>12/28/21</a:t>
             </a:fld>
             <a:endParaRPr lang="en-US"/>
           </a:p>
@@ -2424,7 +2509,7 @@
           <a:p>
             <a:fld id="{952835FF-3B0E-3041-AF8C-3F69E438AA42}" type="datetimeFigureOut">
               <a:rPr lang="en-US" smtClean="0"/>
-              <a:t>12/14/21</a:t>
+              <a:t>12/28/21</a:t>
             </a:fld>
             <a:endParaRPr lang="en-US"/>
           </a:p>
@@ -2565,7 +2650,7 @@
           <a:p>
             <a:fld id="{952835FF-3B0E-3041-AF8C-3F69E438AA42}" type="datetimeFigureOut">
               <a:rPr lang="en-US" smtClean="0"/>
-              <a:t>12/14/21</a:t>
+              <a:t>12/28/21</a:t>
             </a:fld>
             <a:endParaRPr lang="en-US"/>
           </a:p>
@@ -2678,7 +2763,7 @@
           <a:p>
             <a:fld id="{952835FF-3B0E-3041-AF8C-3F69E438AA42}" type="datetimeFigureOut">
               <a:rPr lang="en-US" smtClean="0"/>
-              <a:t>12/14/21</a:t>
+              <a:t>12/28/21</a:t>
             </a:fld>
             <a:endParaRPr lang="en-US"/>
           </a:p>
@@ -2989,7 +3074,7 @@
           <a:p>
             <a:fld id="{952835FF-3B0E-3041-AF8C-3F69E438AA42}" type="datetimeFigureOut">
               <a:rPr lang="en-US" smtClean="0"/>
-              <a:t>12/14/21</a:t>
+              <a:t>12/28/21</a:t>
             </a:fld>
             <a:endParaRPr lang="en-US"/>
           </a:p>
@@ -3277,7 +3362,7 @@
           <a:p>
             <a:fld id="{952835FF-3B0E-3041-AF8C-3F69E438AA42}" type="datetimeFigureOut">
               <a:rPr lang="en-US" smtClean="0"/>
-              <a:t>12/14/21</a:t>
+              <a:t>12/28/21</a:t>
             </a:fld>
             <a:endParaRPr lang="en-US"/>
           </a:p>
@@ -3518,7 +3603,7 @@
           <a:p>
             <a:fld id="{952835FF-3B0E-3041-AF8C-3F69E438AA42}" type="datetimeFigureOut">
               <a:rPr lang="en-US" smtClean="0"/>
-              <a:t>12/14/21</a:t>
+              <a:t>12/28/21</a:t>
             </a:fld>
             <a:endParaRPr lang="en-US"/>
           </a:p>
@@ -14215,6 +14300,1224 @@
       </p:grpSpPr>
       <p:sp>
         <p:nvSpPr>
+          <p:cNvPr id="34" name="Rectangle 33">
+            <a:extLst>
+              <a:ext uri="{FF2B5EF4-FFF2-40B4-BE49-F238E27FC236}">
+                <a16:creationId xmlns:a16="http://schemas.microsoft.com/office/drawing/2014/main" id="{026E7194-790A-B746-AF85-47B000878EBA}"/>
+              </a:ext>
+            </a:extLst>
+          </p:cNvPr>
+          <p:cNvSpPr/>
+          <p:nvPr/>
+        </p:nvSpPr>
+        <p:spPr>
+          <a:xfrm>
+            <a:off x="2111831" y="1840963"/>
+            <a:ext cx="336884" cy="336884"/>
+          </a:xfrm>
+          <a:prstGeom prst="rect">
+            <a:avLst/>
+          </a:prstGeom>
+          <a:solidFill>
+            <a:schemeClr val="bg1">
+              <a:lumMod val="85000"/>
+            </a:schemeClr>
+          </a:solidFill>
+          <a:ln>
+            <a:solidFill>
+              <a:schemeClr val="tx1">
+                <a:lumMod val="50000"/>
+                <a:lumOff val="50000"/>
+              </a:schemeClr>
+            </a:solidFill>
+          </a:ln>
+        </p:spPr>
+        <p:style>
+          <a:lnRef idx="2">
+            <a:schemeClr val="accent1">
+              <a:shade val="50000"/>
+            </a:schemeClr>
+          </a:lnRef>
+          <a:fillRef idx="1">
+            <a:schemeClr val="accent1"/>
+          </a:fillRef>
+          <a:effectRef idx="0">
+            <a:schemeClr val="accent1"/>
+          </a:effectRef>
+          <a:fontRef idx="minor">
+            <a:schemeClr val="lt1"/>
+          </a:fontRef>
+        </p:style>
+        <p:txBody>
+          <a:bodyPr rtlCol="0" anchor="ctr"/>
+          <a:lstStyle/>
+          <a:p>
+            <a:pPr algn="ctr"/>
+            <a:r>
+              <a:rPr lang="en-US" sz="1400" dirty="0">
+                <a:solidFill>
+                  <a:schemeClr val="tx1"/>
+                </a:solidFill>
+              </a:rPr>
+              <a:t>8</a:t>
+            </a:r>
+          </a:p>
+        </p:txBody>
+      </p:sp>
+      <p:sp>
+        <p:nvSpPr>
+          <p:cNvPr id="35" name="Rectangle 34">
+            <a:extLst>
+              <a:ext uri="{FF2B5EF4-FFF2-40B4-BE49-F238E27FC236}">
+                <a16:creationId xmlns:a16="http://schemas.microsoft.com/office/drawing/2014/main" id="{B2987F3F-35F1-754F-82E0-DA8C9551F2E2}"/>
+              </a:ext>
+            </a:extLst>
+          </p:cNvPr>
+          <p:cNvSpPr/>
+          <p:nvPr/>
+        </p:nvSpPr>
+        <p:spPr>
+          <a:xfrm>
+            <a:off x="2516945" y="1840963"/>
+            <a:ext cx="336884" cy="336884"/>
+          </a:xfrm>
+          <a:prstGeom prst="rect">
+            <a:avLst/>
+          </a:prstGeom>
+          <a:solidFill>
+            <a:schemeClr val="bg1">
+              <a:lumMod val="85000"/>
+            </a:schemeClr>
+          </a:solidFill>
+          <a:ln>
+            <a:solidFill>
+              <a:schemeClr val="tx1">
+                <a:lumMod val="50000"/>
+                <a:lumOff val="50000"/>
+              </a:schemeClr>
+            </a:solidFill>
+          </a:ln>
+        </p:spPr>
+        <p:style>
+          <a:lnRef idx="2">
+            <a:schemeClr val="accent1">
+              <a:shade val="50000"/>
+            </a:schemeClr>
+          </a:lnRef>
+          <a:fillRef idx="1">
+            <a:schemeClr val="accent1"/>
+          </a:fillRef>
+          <a:effectRef idx="0">
+            <a:schemeClr val="accent1"/>
+          </a:effectRef>
+          <a:fontRef idx="minor">
+            <a:schemeClr val="lt1"/>
+          </a:fontRef>
+        </p:style>
+        <p:txBody>
+          <a:bodyPr rtlCol="0" anchor="ctr"/>
+          <a:lstStyle/>
+          <a:p>
+            <a:pPr algn="ctr"/>
+            <a:r>
+              <a:rPr lang="en-US" sz="1400" dirty="0">
+                <a:solidFill>
+                  <a:schemeClr val="tx1"/>
+                </a:solidFill>
+              </a:rPr>
+              <a:t>1</a:t>
+            </a:r>
+          </a:p>
+        </p:txBody>
+      </p:sp>
+      <p:sp>
+        <p:nvSpPr>
+          <p:cNvPr id="36" name="Rectangle 35">
+            <a:extLst>
+              <a:ext uri="{FF2B5EF4-FFF2-40B4-BE49-F238E27FC236}">
+                <a16:creationId xmlns:a16="http://schemas.microsoft.com/office/drawing/2014/main" id="{453927FB-6A31-5443-9C08-C706DAA55157}"/>
+              </a:ext>
+            </a:extLst>
+          </p:cNvPr>
+          <p:cNvSpPr/>
+          <p:nvPr/>
+        </p:nvSpPr>
+        <p:spPr>
+          <a:xfrm>
+            <a:off x="2111831" y="2258354"/>
+            <a:ext cx="336884" cy="336884"/>
+          </a:xfrm>
+          <a:prstGeom prst="rect">
+            <a:avLst/>
+          </a:prstGeom>
+          <a:solidFill>
+            <a:schemeClr val="bg1">
+              <a:lumMod val="85000"/>
+            </a:schemeClr>
+          </a:solidFill>
+          <a:ln>
+            <a:solidFill>
+              <a:schemeClr val="tx1">
+                <a:lumMod val="50000"/>
+                <a:lumOff val="50000"/>
+              </a:schemeClr>
+            </a:solidFill>
+          </a:ln>
+        </p:spPr>
+        <p:style>
+          <a:lnRef idx="2">
+            <a:schemeClr val="accent1">
+              <a:shade val="50000"/>
+            </a:schemeClr>
+          </a:lnRef>
+          <a:fillRef idx="1">
+            <a:schemeClr val="accent1"/>
+          </a:fillRef>
+          <a:effectRef idx="0">
+            <a:schemeClr val="accent1"/>
+          </a:effectRef>
+          <a:fontRef idx="minor">
+            <a:schemeClr val="lt1"/>
+          </a:fontRef>
+        </p:style>
+        <p:txBody>
+          <a:bodyPr rtlCol="0" anchor="ctr"/>
+          <a:lstStyle/>
+          <a:p>
+            <a:pPr algn="ctr"/>
+            <a:r>
+              <a:rPr lang="en-US" sz="1400" dirty="0">
+                <a:solidFill>
+                  <a:schemeClr val="tx1"/>
+                </a:solidFill>
+              </a:rPr>
+              <a:t>0</a:t>
+            </a:r>
+          </a:p>
+        </p:txBody>
+      </p:sp>
+      <p:sp>
+        <p:nvSpPr>
+          <p:cNvPr id="37" name="Rectangle 36">
+            <a:extLst>
+              <a:ext uri="{FF2B5EF4-FFF2-40B4-BE49-F238E27FC236}">
+                <a16:creationId xmlns:a16="http://schemas.microsoft.com/office/drawing/2014/main" id="{FB066E7A-8529-E945-B50A-90FE2932690F}"/>
+              </a:ext>
+            </a:extLst>
+          </p:cNvPr>
+          <p:cNvSpPr/>
+          <p:nvPr/>
+        </p:nvSpPr>
+        <p:spPr>
+          <a:xfrm>
+            <a:off x="2516945" y="2258354"/>
+            <a:ext cx="336884" cy="336884"/>
+          </a:xfrm>
+          <a:prstGeom prst="rect">
+            <a:avLst/>
+          </a:prstGeom>
+          <a:solidFill>
+            <a:schemeClr val="bg1">
+              <a:lumMod val="85000"/>
+            </a:schemeClr>
+          </a:solidFill>
+          <a:ln>
+            <a:solidFill>
+              <a:schemeClr val="tx1">
+                <a:lumMod val="50000"/>
+                <a:lumOff val="50000"/>
+              </a:schemeClr>
+            </a:solidFill>
+          </a:ln>
+        </p:spPr>
+        <p:style>
+          <a:lnRef idx="2">
+            <a:schemeClr val="accent1">
+              <a:shade val="50000"/>
+            </a:schemeClr>
+          </a:lnRef>
+          <a:fillRef idx="1">
+            <a:schemeClr val="accent1"/>
+          </a:fillRef>
+          <a:effectRef idx="0">
+            <a:schemeClr val="accent1"/>
+          </a:effectRef>
+          <a:fontRef idx="minor">
+            <a:schemeClr val="lt1"/>
+          </a:fontRef>
+        </p:style>
+        <p:txBody>
+          <a:bodyPr rtlCol="0" anchor="ctr"/>
+          <a:lstStyle/>
+          <a:p>
+            <a:pPr algn="ctr"/>
+            <a:r>
+              <a:rPr lang="en-US" sz="1400" dirty="0">
+                <a:solidFill>
+                  <a:schemeClr val="tx1"/>
+                </a:solidFill>
+              </a:rPr>
+              <a:t>0</a:t>
+            </a:r>
+          </a:p>
+        </p:txBody>
+      </p:sp>
+      <p:sp>
+        <p:nvSpPr>
+          <p:cNvPr id="38" name="Rectangle 37">
+            <a:extLst>
+              <a:ext uri="{FF2B5EF4-FFF2-40B4-BE49-F238E27FC236}">
+                <a16:creationId xmlns:a16="http://schemas.microsoft.com/office/drawing/2014/main" id="{3F160E60-9C1C-B34C-9FD9-C12274CC2140}"/>
+              </a:ext>
+            </a:extLst>
+          </p:cNvPr>
+          <p:cNvSpPr/>
+          <p:nvPr/>
+        </p:nvSpPr>
+        <p:spPr>
+          <a:xfrm>
+            <a:off x="2111831" y="2675994"/>
+            <a:ext cx="336884" cy="336884"/>
+          </a:xfrm>
+          <a:prstGeom prst="rect">
+            <a:avLst/>
+          </a:prstGeom>
+          <a:solidFill>
+            <a:schemeClr val="bg1">
+              <a:lumMod val="85000"/>
+            </a:schemeClr>
+          </a:solidFill>
+          <a:ln>
+            <a:solidFill>
+              <a:schemeClr val="tx1">
+                <a:lumMod val="50000"/>
+                <a:lumOff val="50000"/>
+              </a:schemeClr>
+            </a:solidFill>
+          </a:ln>
+        </p:spPr>
+        <p:style>
+          <a:lnRef idx="2">
+            <a:schemeClr val="accent1">
+              <a:shade val="50000"/>
+            </a:schemeClr>
+          </a:lnRef>
+          <a:fillRef idx="1">
+            <a:schemeClr val="accent1"/>
+          </a:fillRef>
+          <a:effectRef idx="0">
+            <a:schemeClr val="accent1"/>
+          </a:effectRef>
+          <a:fontRef idx="minor">
+            <a:schemeClr val="lt1"/>
+          </a:fontRef>
+        </p:style>
+        <p:txBody>
+          <a:bodyPr rtlCol="0" anchor="ctr"/>
+          <a:lstStyle/>
+          <a:p>
+            <a:pPr algn="ctr"/>
+            <a:r>
+              <a:rPr lang="en-US" sz="1400" dirty="0">
+                <a:solidFill>
+                  <a:schemeClr val="tx1"/>
+                </a:solidFill>
+              </a:rPr>
+              <a:t>2</a:t>
+            </a:r>
+          </a:p>
+        </p:txBody>
+      </p:sp>
+      <p:sp>
+        <p:nvSpPr>
+          <p:cNvPr id="39" name="Rectangle 38">
+            <a:extLst>
+              <a:ext uri="{FF2B5EF4-FFF2-40B4-BE49-F238E27FC236}">
+                <a16:creationId xmlns:a16="http://schemas.microsoft.com/office/drawing/2014/main" id="{DDE9FE19-0747-FB44-A0E4-108FB4F5F103}"/>
+              </a:ext>
+            </a:extLst>
+          </p:cNvPr>
+          <p:cNvSpPr/>
+          <p:nvPr/>
+        </p:nvSpPr>
+        <p:spPr>
+          <a:xfrm>
+            <a:off x="2516945" y="2675994"/>
+            <a:ext cx="336884" cy="336884"/>
+          </a:xfrm>
+          <a:prstGeom prst="rect">
+            <a:avLst/>
+          </a:prstGeom>
+          <a:solidFill>
+            <a:schemeClr val="bg1">
+              <a:lumMod val="85000"/>
+            </a:schemeClr>
+          </a:solidFill>
+          <a:ln>
+            <a:solidFill>
+              <a:schemeClr val="tx1">
+                <a:lumMod val="50000"/>
+                <a:lumOff val="50000"/>
+              </a:schemeClr>
+            </a:solidFill>
+          </a:ln>
+        </p:spPr>
+        <p:style>
+          <a:lnRef idx="2">
+            <a:schemeClr val="accent1">
+              <a:shade val="50000"/>
+            </a:schemeClr>
+          </a:lnRef>
+          <a:fillRef idx="1">
+            <a:schemeClr val="accent1"/>
+          </a:fillRef>
+          <a:effectRef idx="0">
+            <a:schemeClr val="accent1"/>
+          </a:effectRef>
+          <a:fontRef idx="minor">
+            <a:schemeClr val="lt1"/>
+          </a:fontRef>
+        </p:style>
+        <p:txBody>
+          <a:bodyPr rtlCol="0" anchor="ctr"/>
+          <a:lstStyle/>
+          <a:p>
+            <a:pPr algn="ctr"/>
+            <a:r>
+              <a:rPr lang="en-US" sz="1400" dirty="0">
+                <a:solidFill>
+                  <a:schemeClr val="tx1"/>
+                </a:solidFill>
+              </a:rPr>
+              <a:t>4</a:t>
+            </a:r>
+          </a:p>
+        </p:txBody>
+      </p:sp>
+      <p:sp>
+        <p:nvSpPr>
+          <p:cNvPr id="40" name="Rectangle 39">
+            <a:extLst>
+              <a:ext uri="{FF2B5EF4-FFF2-40B4-BE49-F238E27FC236}">
+                <a16:creationId xmlns:a16="http://schemas.microsoft.com/office/drawing/2014/main" id="{6EA5306A-706E-AE44-837F-3E0FDC5CF851}"/>
+              </a:ext>
+            </a:extLst>
+          </p:cNvPr>
+          <p:cNvSpPr/>
+          <p:nvPr/>
+        </p:nvSpPr>
+        <p:spPr>
+          <a:xfrm>
+            <a:off x="3014656" y="1088608"/>
+            <a:ext cx="336884" cy="336884"/>
+          </a:xfrm>
+          <a:prstGeom prst="rect">
+            <a:avLst/>
+          </a:prstGeom>
+          <a:solidFill>
+            <a:schemeClr val="bg1">
+              <a:lumMod val="85000"/>
+            </a:schemeClr>
+          </a:solidFill>
+          <a:ln>
+            <a:solidFill>
+              <a:schemeClr val="tx1">
+                <a:lumMod val="50000"/>
+                <a:lumOff val="50000"/>
+              </a:schemeClr>
+            </a:solidFill>
+          </a:ln>
+        </p:spPr>
+        <p:style>
+          <a:lnRef idx="2">
+            <a:schemeClr val="accent1">
+              <a:shade val="50000"/>
+            </a:schemeClr>
+          </a:lnRef>
+          <a:fillRef idx="1">
+            <a:schemeClr val="accent1"/>
+          </a:fillRef>
+          <a:effectRef idx="0">
+            <a:schemeClr val="accent1"/>
+          </a:effectRef>
+          <a:fontRef idx="minor">
+            <a:schemeClr val="lt1"/>
+          </a:fontRef>
+        </p:style>
+        <p:txBody>
+          <a:bodyPr rtlCol="0" anchor="ctr"/>
+          <a:lstStyle/>
+          <a:p>
+            <a:pPr algn="ctr"/>
+            <a:r>
+              <a:rPr lang="en-US" sz="1400" dirty="0">
+                <a:solidFill>
+                  <a:schemeClr val="tx1"/>
+                </a:solidFill>
+              </a:rPr>
+              <a:t>8</a:t>
+            </a:r>
+          </a:p>
+        </p:txBody>
+      </p:sp>
+      <p:sp>
+        <p:nvSpPr>
+          <p:cNvPr id="41" name="Rectangle 40">
+            <a:extLst>
+              <a:ext uri="{FF2B5EF4-FFF2-40B4-BE49-F238E27FC236}">
+                <a16:creationId xmlns:a16="http://schemas.microsoft.com/office/drawing/2014/main" id="{89596CBD-CF5A-C14B-82B6-FC9E6452954A}"/>
+              </a:ext>
+            </a:extLst>
+          </p:cNvPr>
+          <p:cNvSpPr/>
+          <p:nvPr/>
+        </p:nvSpPr>
+        <p:spPr>
+          <a:xfrm>
+            <a:off x="3419770" y="1088608"/>
+            <a:ext cx="336884" cy="336884"/>
+          </a:xfrm>
+          <a:prstGeom prst="rect">
+            <a:avLst/>
+          </a:prstGeom>
+          <a:solidFill>
+            <a:schemeClr val="bg1">
+              <a:lumMod val="85000"/>
+            </a:schemeClr>
+          </a:solidFill>
+          <a:ln>
+            <a:solidFill>
+              <a:schemeClr val="tx1">
+                <a:lumMod val="50000"/>
+                <a:lumOff val="50000"/>
+              </a:schemeClr>
+            </a:solidFill>
+          </a:ln>
+        </p:spPr>
+        <p:style>
+          <a:lnRef idx="2">
+            <a:schemeClr val="accent1">
+              <a:shade val="50000"/>
+            </a:schemeClr>
+          </a:lnRef>
+          <a:fillRef idx="1">
+            <a:schemeClr val="accent1"/>
+          </a:fillRef>
+          <a:effectRef idx="0">
+            <a:schemeClr val="accent1"/>
+          </a:effectRef>
+          <a:fontRef idx="minor">
+            <a:schemeClr val="lt1"/>
+          </a:fontRef>
+        </p:style>
+        <p:txBody>
+          <a:bodyPr rtlCol="0" anchor="ctr"/>
+          <a:lstStyle/>
+          <a:p>
+            <a:pPr algn="ctr"/>
+            <a:r>
+              <a:rPr lang="en-US" sz="1400" dirty="0">
+                <a:solidFill>
+                  <a:schemeClr val="tx1"/>
+                </a:solidFill>
+              </a:rPr>
+              <a:t>1</a:t>
+            </a:r>
+          </a:p>
+        </p:txBody>
+      </p:sp>
+      <p:sp>
+        <p:nvSpPr>
+          <p:cNvPr id="42" name="Rectangle 41">
+            <a:extLst>
+              <a:ext uri="{FF2B5EF4-FFF2-40B4-BE49-F238E27FC236}">
+                <a16:creationId xmlns:a16="http://schemas.microsoft.com/office/drawing/2014/main" id="{5C4E90DE-73C8-9744-A74E-D5D648668E0F}"/>
+              </a:ext>
+            </a:extLst>
+          </p:cNvPr>
+          <p:cNvSpPr/>
+          <p:nvPr/>
+        </p:nvSpPr>
+        <p:spPr>
+          <a:xfrm>
+            <a:off x="3014656" y="3544096"/>
+            <a:ext cx="336884" cy="336884"/>
+          </a:xfrm>
+          <a:prstGeom prst="rect">
+            <a:avLst/>
+          </a:prstGeom>
+          <a:solidFill>
+            <a:schemeClr val="bg1">
+              <a:lumMod val="85000"/>
+            </a:schemeClr>
+          </a:solidFill>
+          <a:ln>
+            <a:solidFill>
+              <a:schemeClr val="tx1">
+                <a:lumMod val="50000"/>
+                <a:lumOff val="50000"/>
+              </a:schemeClr>
+            </a:solidFill>
+          </a:ln>
+        </p:spPr>
+        <p:style>
+          <a:lnRef idx="2">
+            <a:schemeClr val="accent1">
+              <a:shade val="50000"/>
+            </a:schemeClr>
+          </a:lnRef>
+          <a:fillRef idx="1">
+            <a:schemeClr val="accent1"/>
+          </a:fillRef>
+          <a:effectRef idx="0">
+            <a:schemeClr val="accent1"/>
+          </a:effectRef>
+          <a:fontRef idx="minor">
+            <a:schemeClr val="lt1"/>
+          </a:fontRef>
+        </p:style>
+        <p:txBody>
+          <a:bodyPr rtlCol="0" anchor="ctr"/>
+          <a:lstStyle/>
+          <a:p>
+            <a:pPr algn="ctr"/>
+            <a:r>
+              <a:rPr lang="en-US" sz="1400" dirty="0">
+                <a:solidFill>
+                  <a:schemeClr val="tx1"/>
+                </a:solidFill>
+              </a:rPr>
+              <a:t>2</a:t>
+            </a:r>
+          </a:p>
+        </p:txBody>
+      </p:sp>
+      <p:sp>
+        <p:nvSpPr>
+          <p:cNvPr id="43" name="Rectangle 42">
+            <a:extLst>
+              <a:ext uri="{FF2B5EF4-FFF2-40B4-BE49-F238E27FC236}">
+                <a16:creationId xmlns:a16="http://schemas.microsoft.com/office/drawing/2014/main" id="{7751829F-D8A9-7E4E-9715-4841FF514D13}"/>
+              </a:ext>
+            </a:extLst>
+          </p:cNvPr>
+          <p:cNvSpPr/>
+          <p:nvPr/>
+        </p:nvSpPr>
+        <p:spPr>
+          <a:xfrm>
+            <a:off x="3419770" y="3544096"/>
+            <a:ext cx="336884" cy="336884"/>
+          </a:xfrm>
+          <a:prstGeom prst="rect">
+            <a:avLst/>
+          </a:prstGeom>
+          <a:solidFill>
+            <a:schemeClr val="bg1">
+              <a:lumMod val="85000"/>
+            </a:schemeClr>
+          </a:solidFill>
+          <a:ln>
+            <a:solidFill>
+              <a:schemeClr val="tx1">
+                <a:lumMod val="50000"/>
+                <a:lumOff val="50000"/>
+              </a:schemeClr>
+            </a:solidFill>
+          </a:ln>
+        </p:spPr>
+        <p:style>
+          <a:lnRef idx="2">
+            <a:schemeClr val="accent1">
+              <a:shade val="50000"/>
+            </a:schemeClr>
+          </a:lnRef>
+          <a:fillRef idx="1">
+            <a:schemeClr val="accent1"/>
+          </a:fillRef>
+          <a:effectRef idx="0">
+            <a:schemeClr val="accent1"/>
+          </a:effectRef>
+          <a:fontRef idx="minor">
+            <a:schemeClr val="lt1"/>
+          </a:fontRef>
+        </p:style>
+        <p:txBody>
+          <a:bodyPr rtlCol="0" anchor="ctr"/>
+          <a:lstStyle/>
+          <a:p>
+            <a:pPr algn="ctr"/>
+            <a:r>
+              <a:rPr lang="en-US" sz="1400" dirty="0">
+                <a:solidFill>
+                  <a:schemeClr val="tx1"/>
+                </a:solidFill>
+              </a:rPr>
+              <a:t>4</a:t>
+            </a:r>
+          </a:p>
+        </p:txBody>
+      </p:sp>
+      <p:sp>
+        <p:nvSpPr>
+          <p:cNvPr id="46" name="Rectangle 45">
+            <a:extLst>
+              <a:ext uri="{FF2B5EF4-FFF2-40B4-BE49-F238E27FC236}">
+                <a16:creationId xmlns:a16="http://schemas.microsoft.com/office/drawing/2014/main" id="{369FF9AA-0ECE-A842-8B76-604351B9CAB1}"/>
+              </a:ext>
+            </a:extLst>
+          </p:cNvPr>
+          <p:cNvSpPr/>
+          <p:nvPr/>
+        </p:nvSpPr>
+        <p:spPr>
+          <a:xfrm>
+            <a:off x="4484641" y="1840963"/>
+            <a:ext cx="336884" cy="336884"/>
+          </a:xfrm>
+          <a:prstGeom prst="rect">
+            <a:avLst/>
+          </a:prstGeom>
+          <a:solidFill>
+            <a:schemeClr val="bg1">
+              <a:lumMod val="85000"/>
+            </a:schemeClr>
+          </a:solidFill>
+          <a:ln>
+            <a:solidFill>
+              <a:schemeClr val="tx1">
+                <a:lumMod val="50000"/>
+                <a:lumOff val="50000"/>
+              </a:schemeClr>
+            </a:solidFill>
+          </a:ln>
+        </p:spPr>
+        <p:style>
+          <a:lnRef idx="2">
+            <a:schemeClr val="accent1">
+              <a:shade val="50000"/>
+            </a:schemeClr>
+          </a:lnRef>
+          <a:fillRef idx="1">
+            <a:schemeClr val="accent1"/>
+          </a:fillRef>
+          <a:effectRef idx="0">
+            <a:schemeClr val="accent1"/>
+          </a:effectRef>
+          <a:fontRef idx="minor">
+            <a:schemeClr val="lt1"/>
+          </a:fontRef>
+        </p:style>
+        <p:txBody>
+          <a:bodyPr rtlCol="0" anchor="ctr"/>
+          <a:lstStyle/>
+          <a:p>
+            <a:pPr algn="ctr"/>
+            <a:r>
+              <a:rPr lang="en-US" sz="1400" dirty="0">
+                <a:solidFill>
+                  <a:schemeClr val="tx1"/>
+                </a:solidFill>
+              </a:rPr>
+              <a:t>8</a:t>
+            </a:r>
+          </a:p>
+        </p:txBody>
+      </p:sp>
+      <p:sp>
+        <p:nvSpPr>
+          <p:cNvPr id="47" name="Rectangle 46">
+            <a:extLst>
+              <a:ext uri="{FF2B5EF4-FFF2-40B4-BE49-F238E27FC236}">
+                <a16:creationId xmlns:a16="http://schemas.microsoft.com/office/drawing/2014/main" id="{6E520AF6-8BAB-C246-B9AD-9E5D73538FFE}"/>
+              </a:ext>
+            </a:extLst>
+          </p:cNvPr>
+          <p:cNvSpPr/>
+          <p:nvPr/>
+        </p:nvSpPr>
+        <p:spPr>
+          <a:xfrm>
+            <a:off x="4484641" y="2675994"/>
+            <a:ext cx="336884" cy="336884"/>
+          </a:xfrm>
+          <a:prstGeom prst="rect">
+            <a:avLst/>
+          </a:prstGeom>
+          <a:solidFill>
+            <a:schemeClr val="bg1">
+              <a:lumMod val="85000"/>
+            </a:schemeClr>
+          </a:solidFill>
+          <a:ln>
+            <a:solidFill>
+              <a:schemeClr val="tx1">
+                <a:lumMod val="50000"/>
+                <a:lumOff val="50000"/>
+              </a:schemeClr>
+            </a:solidFill>
+          </a:ln>
+        </p:spPr>
+        <p:style>
+          <a:lnRef idx="2">
+            <a:schemeClr val="accent1">
+              <a:shade val="50000"/>
+            </a:schemeClr>
+          </a:lnRef>
+          <a:fillRef idx="1">
+            <a:schemeClr val="accent1"/>
+          </a:fillRef>
+          <a:effectRef idx="0">
+            <a:schemeClr val="accent1"/>
+          </a:effectRef>
+          <a:fontRef idx="minor">
+            <a:schemeClr val="lt1"/>
+          </a:fontRef>
+        </p:style>
+        <p:txBody>
+          <a:bodyPr rtlCol="0" anchor="ctr"/>
+          <a:lstStyle/>
+          <a:p>
+            <a:pPr algn="ctr"/>
+            <a:r>
+              <a:rPr lang="en-US" sz="1400" dirty="0">
+                <a:solidFill>
+                  <a:schemeClr val="tx1"/>
+                </a:solidFill>
+              </a:rPr>
+              <a:t>4</a:t>
+            </a:r>
+          </a:p>
+        </p:txBody>
+      </p:sp>
+      <p:sp>
+        <p:nvSpPr>
+          <p:cNvPr id="48" name="Rectangle 47">
+            <a:extLst>
+              <a:ext uri="{FF2B5EF4-FFF2-40B4-BE49-F238E27FC236}">
+                <a16:creationId xmlns:a16="http://schemas.microsoft.com/office/drawing/2014/main" id="{393088D6-0A0C-E54D-8332-4F1E973BE7D6}"/>
+              </a:ext>
+            </a:extLst>
+          </p:cNvPr>
+          <p:cNvSpPr/>
+          <p:nvPr/>
+        </p:nvSpPr>
+        <p:spPr>
+          <a:xfrm>
+            <a:off x="5422191" y="2258354"/>
+            <a:ext cx="336884" cy="336884"/>
+          </a:xfrm>
+          <a:prstGeom prst="rect">
+            <a:avLst/>
+          </a:prstGeom>
+          <a:solidFill>
+            <a:schemeClr val="bg1">
+              <a:lumMod val="85000"/>
+            </a:schemeClr>
+          </a:solidFill>
+          <a:ln>
+            <a:solidFill>
+              <a:schemeClr val="tx1">
+                <a:lumMod val="50000"/>
+                <a:lumOff val="50000"/>
+              </a:schemeClr>
+            </a:solidFill>
+          </a:ln>
+        </p:spPr>
+        <p:style>
+          <a:lnRef idx="2">
+            <a:schemeClr val="accent1">
+              <a:shade val="50000"/>
+            </a:schemeClr>
+          </a:lnRef>
+          <a:fillRef idx="1">
+            <a:schemeClr val="accent1"/>
+          </a:fillRef>
+          <a:effectRef idx="0">
+            <a:schemeClr val="accent1"/>
+          </a:effectRef>
+          <a:fontRef idx="minor">
+            <a:schemeClr val="lt1"/>
+          </a:fontRef>
+        </p:style>
+        <p:txBody>
+          <a:bodyPr rtlCol="0" anchor="ctr"/>
+          <a:lstStyle/>
+          <a:p>
+            <a:pPr algn="ctr"/>
+            <a:r>
+              <a:rPr lang="en-US" sz="1400" dirty="0">
+                <a:solidFill>
+                  <a:schemeClr val="tx1"/>
+                </a:solidFill>
+              </a:rPr>
+              <a:t>8</a:t>
+            </a:r>
+          </a:p>
+        </p:txBody>
+      </p:sp>
+      <p:sp>
+        <p:nvSpPr>
+          <p:cNvPr id="49" name="Rectangle 48">
+            <a:extLst>
+              <a:ext uri="{FF2B5EF4-FFF2-40B4-BE49-F238E27FC236}">
+                <a16:creationId xmlns:a16="http://schemas.microsoft.com/office/drawing/2014/main" id="{10E84DD4-50B6-614D-BF3E-F901691B7F27}"/>
+              </a:ext>
+            </a:extLst>
+          </p:cNvPr>
+          <p:cNvSpPr/>
+          <p:nvPr/>
+        </p:nvSpPr>
+        <p:spPr>
+          <a:xfrm>
+            <a:off x="5827305" y="2258354"/>
+            <a:ext cx="336884" cy="336884"/>
+          </a:xfrm>
+          <a:prstGeom prst="rect">
+            <a:avLst/>
+          </a:prstGeom>
+          <a:solidFill>
+            <a:schemeClr val="bg1">
+              <a:lumMod val="85000"/>
+            </a:schemeClr>
+          </a:solidFill>
+          <a:ln>
+            <a:solidFill>
+              <a:schemeClr val="tx1">
+                <a:lumMod val="50000"/>
+                <a:lumOff val="50000"/>
+              </a:schemeClr>
+            </a:solidFill>
+          </a:ln>
+        </p:spPr>
+        <p:style>
+          <a:lnRef idx="2">
+            <a:schemeClr val="accent1">
+              <a:shade val="50000"/>
+            </a:schemeClr>
+          </a:lnRef>
+          <a:fillRef idx="1">
+            <a:schemeClr val="accent1"/>
+          </a:fillRef>
+          <a:effectRef idx="0">
+            <a:schemeClr val="accent1"/>
+          </a:effectRef>
+          <a:fontRef idx="minor">
+            <a:schemeClr val="lt1"/>
+          </a:fontRef>
+        </p:style>
+        <p:txBody>
+          <a:bodyPr rtlCol="0" anchor="ctr"/>
+          <a:lstStyle/>
+          <a:p>
+            <a:pPr algn="ctr"/>
+            <a:r>
+              <a:rPr lang="en-US" sz="1400" dirty="0">
+                <a:solidFill>
+                  <a:schemeClr val="tx1"/>
+                </a:solidFill>
+              </a:rPr>
+              <a:t>4</a:t>
+            </a:r>
+          </a:p>
+        </p:txBody>
+      </p:sp>
+      <p:sp>
+        <p:nvSpPr>
+          <p:cNvPr id="50" name="Rectangle 49">
+            <a:extLst>
+              <a:ext uri="{FF2B5EF4-FFF2-40B4-BE49-F238E27FC236}">
+                <a16:creationId xmlns:a16="http://schemas.microsoft.com/office/drawing/2014/main" id="{1D5C71DE-7C40-4544-A6F1-B67CFC0E6DAD}"/>
+              </a:ext>
+            </a:extLst>
+          </p:cNvPr>
+          <p:cNvSpPr/>
+          <p:nvPr/>
+        </p:nvSpPr>
+        <p:spPr>
+          <a:xfrm>
+            <a:off x="5422191" y="3375654"/>
+            <a:ext cx="336884" cy="336884"/>
+          </a:xfrm>
+          <a:prstGeom prst="rect">
+            <a:avLst/>
+          </a:prstGeom>
+          <a:solidFill>
+            <a:schemeClr val="bg1">
+              <a:lumMod val="85000"/>
+            </a:schemeClr>
+          </a:solidFill>
+          <a:ln>
+            <a:solidFill>
+              <a:schemeClr val="tx1">
+                <a:lumMod val="50000"/>
+                <a:lumOff val="50000"/>
+              </a:schemeClr>
+            </a:solidFill>
+          </a:ln>
+        </p:spPr>
+        <p:style>
+          <a:lnRef idx="2">
+            <a:schemeClr val="accent1">
+              <a:shade val="50000"/>
+            </a:schemeClr>
+          </a:lnRef>
+          <a:fillRef idx="1">
+            <a:schemeClr val="accent1"/>
+          </a:fillRef>
+          <a:effectRef idx="0">
+            <a:schemeClr val="accent1"/>
+          </a:effectRef>
+          <a:fontRef idx="minor">
+            <a:schemeClr val="lt1"/>
+          </a:fontRef>
+        </p:style>
+        <p:txBody>
+          <a:bodyPr rtlCol="0" anchor="ctr"/>
+          <a:lstStyle/>
+          <a:p>
+            <a:pPr algn="ctr"/>
+            <a:r>
+              <a:rPr lang="en-US" sz="1400" dirty="0">
+                <a:solidFill>
+                  <a:schemeClr val="tx1"/>
+                </a:solidFill>
+              </a:rPr>
+              <a:t>3</a:t>
+            </a:r>
+          </a:p>
+        </p:txBody>
+      </p:sp>
+      <p:sp>
+        <p:nvSpPr>
+          <p:cNvPr id="51" name="Rectangle 50">
+            <a:extLst>
+              <a:ext uri="{FF2B5EF4-FFF2-40B4-BE49-F238E27FC236}">
+                <a16:creationId xmlns:a16="http://schemas.microsoft.com/office/drawing/2014/main" id="{EB103E51-BF99-2648-8813-70DDCCA371AE}"/>
+              </a:ext>
+            </a:extLst>
+          </p:cNvPr>
+          <p:cNvSpPr/>
+          <p:nvPr/>
+        </p:nvSpPr>
+        <p:spPr>
+          <a:xfrm>
+            <a:off x="5827305" y="3375654"/>
+            <a:ext cx="336884" cy="336884"/>
+          </a:xfrm>
+          <a:prstGeom prst="rect">
+            <a:avLst/>
+          </a:prstGeom>
+          <a:solidFill>
+            <a:schemeClr val="bg1">
+              <a:lumMod val="85000"/>
+            </a:schemeClr>
+          </a:solidFill>
+          <a:ln>
+            <a:solidFill>
+              <a:schemeClr val="tx1">
+                <a:lumMod val="50000"/>
+                <a:lumOff val="50000"/>
+              </a:schemeClr>
+            </a:solidFill>
+          </a:ln>
+        </p:spPr>
+        <p:style>
+          <a:lnRef idx="2">
+            <a:schemeClr val="accent1">
+              <a:shade val="50000"/>
+            </a:schemeClr>
+          </a:lnRef>
+          <a:fillRef idx="1">
+            <a:schemeClr val="accent1"/>
+          </a:fillRef>
+          <a:effectRef idx="0">
+            <a:schemeClr val="accent1"/>
+          </a:effectRef>
+          <a:fontRef idx="minor">
+            <a:schemeClr val="lt1"/>
+          </a:fontRef>
+        </p:style>
+        <p:txBody>
+          <a:bodyPr rtlCol="0" anchor="ctr"/>
+          <a:lstStyle/>
+          <a:p>
+            <a:pPr algn="ctr"/>
+            <a:r>
+              <a:rPr lang="en-US" sz="1400" dirty="0">
+                <a:solidFill>
+                  <a:schemeClr val="tx1"/>
+                </a:solidFill>
+              </a:rPr>
+              <a:t>2</a:t>
+            </a:r>
+          </a:p>
+        </p:txBody>
+      </p:sp>
+      <p:sp>
+        <p:nvSpPr>
+          <p:cNvPr id="52" name="Rectangle 51">
+            <a:extLst>
+              <a:ext uri="{FF2B5EF4-FFF2-40B4-BE49-F238E27FC236}">
+                <a16:creationId xmlns:a16="http://schemas.microsoft.com/office/drawing/2014/main" id="{8293CA22-4E81-504B-9559-0AD38FC12044}"/>
+              </a:ext>
+            </a:extLst>
+          </p:cNvPr>
+          <p:cNvSpPr/>
+          <p:nvPr/>
+        </p:nvSpPr>
+        <p:spPr>
+          <a:xfrm>
+            <a:off x="5422191" y="4492954"/>
+            <a:ext cx="336884" cy="336884"/>
+          </a:xfrm>
+          <a:prstGeom prst="rect">
+            <a:avLst/>
+          </a:prstGeom>
+          <a:solidFill>
+            <a:schemeClr val="bg1">
+              <a:lumMod val="85000"/>
+            </a:schemeClr>
+          </a:solidFill>
+          <a:ln>
+            <a:solidFill>
+              <a:schemeClr val="tx1">
+                <a:lumMod val="50000"/>
+                <a:lumOff val="50000"/>
+              </a:schemeClr>
+            </a:solidFill>
+          </a:ln>
+        </p:spPr>
+        <p:style>
+          <a:lnRef idx="2">
+            <a:schemeClr val="accent1">
+              <a:shade val="50000"/>
+            </a:schemeClr>
+          </a:lnRef>
+          <a:fillRef idx="1">
+            <a:schemeClr val="accent1"/>
+          </a:fillRef>
+          <a:effectRef idx="0">
+            <a:schemeClr val="accent1"/>
+          </a:effectRef>
+          <a:fontRef idx="minor">
+            <a:schemeClr val="lt1"/>
+          </a:fontRef>
+        </p:style>
+        <p:txBody>
+          <a:bodyPr rtlCol="0" anchor="ctr"/>
+          <a:lstStyle/>
+          <a:p>
+            <a:pPr algn="ctr"/>
+            <a:r>
+              <a:rPr lang="en-US" sz="1400" dirty="0">
+                <a:solidFill>
+                  <a:schemeClr val="tx1"/>
+                </a:solidFill>
+              </a:rPr>
+              <a:t>13</a:t>
+            </a:r>
+          </a:p>
+        </p:txBody>
+      </p:sp>
+      <p:sp>
+        <p:nvSpPr>
+          <p:cNvPr id="53" name="Rectangle 52">
+            <a:extLst>
+              <a:ext uri="{FF2B5EF4-FFF2-40B4-BE49-F238E27FC236}">
+                <a16:creationId xmlns:a16="http://schemas.microsoft.com/office/drawing/2014/main" id="{E66F2621-1AFD-0845-82D6-5763772B454A}"/>
+              </a:ext>
+            </a:extLst>
+          </p:cNvPr>
+          <p:cNvSpPr/>
+          <p:nvPr/>
+        </p:nvSpPr>
+        <p:spPr>
+          <a:xfrm>
+            <a:off x="5827305" y="4492954"/>
+            <a:ext cx="336884" cy="336884"/>
+          </a:xfrm>
+          <a:prstGeom prst="rect">
+            <a:avLst/>
+          </a:prstGeom>
+          <a:solidFill>
+            <a:schemeClr val="bg1">
+              <a:lumMod val="85000"/>
+            </a:schemeClr>
+          </a:solidFill>
+          <a:ln>
+            <a:solidFill>
+              <a:schemeClr val="tx1">
+                <a:lumMod val="50000"/>
+                <a:lumOff val="50000"/>
+              </a:schemeClr>
+            </a:solidFill>
+          </a:ln>
+        </p:spPr>
+        <p:style>
+          <a:lnRef idx="2">
+            <a:schemeClr val="accent1">
+              <a:shade val="50000"/>
+            </a:schemeClr>
+          </a:lnRef>
+          <a:fillRef idx="1">
+            <a:schemeClr val="accent1"/>
+          </a:fillRef>
+          <a:effectRef idx="0">
+            <a:schemeClr val="accent1"/>
+          </a:effectRef>
+          <a:fontRef idx="minor">
+            <a:schemeClr val="lt1"/>
+          </a:fontRef>
+        </p:style>
+        <p:txBody>
+          <a:bodyPr rtlCol="0" anchor="ctr"/>
+          <a:lstStyle/>
+          <a:p>
+            <a:pPr algn="ctr"/>
+            <a:r>
+              <a:rPr lang="en-US" sz="1400" dirty="0">
+                <a:solidFill>
+                  <a:schemeClr val="tx1"/>
+                </a:solidFill>
+              </a:rPr>
+              <a:t>12</a:t>
+            </a:r>
+          </a:p>
+        </p:txBody>
+      </p:sp>
+    </p:spTree>
+    <p:extLst>
+      <p:ext uri="{BB962C8B-B14F-4D97-AF65-F5344CB8AC3E}">
+        <p14:creationId xmlns:p14="http://schemas.microsoft.com/office/powerpoint/2010/main" val="3113515886"/>
+      </p:ext>
+    </p:extLst>
+  </p:cSld>
+  <p:clrMapOvr>
+    <a:masterClrMapping/>
+  </p:clrMapOvr>
+</p:sld>
+</file>
+
+<file path=ppt/slides/slide6.xml><?xml version="1.0" encoding="utf-8"?>
+<p:sld xmlns:a="http://schemas.openxmlformats.org/drawingml/2006/main" xmlns:r="http://schemas.openxmlformats.org/officeDocument/2006/relationships" xmlns:p="http://schemas.openxmlformats.org/presentationml/2006/main">
+  <p:cSld>
+    <p:spTree>
+      <p:nvGrpSpPr>
+        <p:cNvPr id="1" name=""/>
+        <p:cNvGrpSpPr/>
+        <p:nvPr/>
+      </p:nvGrpSpPr>
+      <p:grpSpPr>
+        <a:xfrm>
+          <a:off x="0" y="0"/>
+          <a:ext cx="0" cy="0"/>
+          <a:chOff x="0" y="0"/>
+          <a:chExt cx="0" cy="0"/>
+        </a:xfrm>
+      </p:grpSpPr>
+      <p:sp>
+        <p:nvSpPr>
           <p:cNvPr id="296" name="Rectangle 295">
             <a:extLst>
               <a:ext uri="{FF2B5EF4-FFF2-40B4-BE49-F238E27FC236}">
@@ -27758,7 +29061,7 @@
 </p:sld>
 </file>
 
-<file path=ppt/slides/slide6.xml><?xml version="1.0" encoding="utf-8"?>
+<file path=ppt/slides/slide7.xml><?xml version="1.0" encoding="utf-8"?>
 <p:sld xmlns:a="http://schemas.openxmlformats.org/drawingml/2006/main" xmlns:r="http://schemas.openxmlformats.org/officeDocument/2006/relationships" xmlns:p="http://schemas.openxmlformats.org/presentationml/2006/main">
   <p:cSld>
     <p:spTree>

--- a/docs/inverse.pptx
+++ b/docs/inverse.pptx
@@ -5,7 +5,7 @@
     <p:sldMasterId id="2147483648" r:id="rId1"/>
   </p:sldMasterIdLst>
   <p:notesMasterIdLst>
-    <p:notesMasterId r:id="rId9"/>
+    <p:notesMasterId r:id="rId10"/>
   </p:notesMasterIdLst>
   <p:sldIdLst>
     <p:sldId id="256" r:id="rId2"/>
@@ -13,8 +13,9 @@
     <p:sldId id="277" r:id="rId4"/>
     <p:sldId id="276" r:id="rId5"/>
     <p:sldId id="278" r:id="rId6"/>
-    <p:sldId id="259" r:id="rId7"/>
-    <p:sldId id="273" r:id="rId8"/>
+    <p:sldId id="279" r:id="rId7"/>
+    <p:sldId id="259" r:id="rId8"/>
+    <p:sldId id="273" r:id="rId9"/>
   </p:sldIdLst>
   <p:sldSz cx="12192000" cy="6858000"/>
   <p:notesSz cx="6858000" cy="9144000"/>
@@ -203,7 +204,7 @@
           <a:p>
             <a:fld id="{07F57EFC-2184-EC43-B4CB-DB882E5E8751}" type="datetimeFigureOut">
               <a:rPr lang="en-US" smtClean="0"/>
-              <a:t>12/28/21</a:t>
+              <a:t>1/1/22</a:t>
             </a:fld>
             <a:endParaRPr lang="en-US"/>
           </a:p>
@@ -796,6 +797,90 @@
     </p:spTree>
     <p:extLst>
       <p:ext uri="{BB962C8B-B14F-4D97-AF65-F5344CB8AC3E}">
+        <p14:creationId xmlns:p14="http://schemas.microsoft.com/office/powerpoint/2010/main" val="4109689104"/>
+      </p:ext>
+    </p:extLst>
+  </p:cSld>
+  <p:clrMapOvr>
+    <a:masterClrMapping/>
+  </p:clrMapOvr>
+</p:notes>
+</file>
+
+<file path=ppt/notesSlides/notesSlide5.xml><?xml version="1.0" encoding="utf-8"?>
+<p:notes xmlns:a="http://schemas.openxmlformats.org/drawingml/2006/main" xmlns:r="http://schemas.openxmlformats.org/officeDocument/2006/relationships" xmlns:p="http://schemas.openxmlformats.org/presentationml/2006/main">
+  <p:cSld>
+    <p:spTree>
+      <p:nvGrpSpPr>
+        <p:cNvPr id="1" name=""/>
+        <p:cNvGrpSpPr/>
+        <p:nvPr/>
+      </p:nvGrpSpPr>
+      <p:grpSpPr>
+        <a:xfrm>
+          <a:off x="0" y="0"/>
+          <a:ext cx="0" cy="0"/>
+          <a:chOff x="0" y="0"/>
+          <a:chExt cx="0" cy="0"/>
+        </a:xfrm>
+      </p:grpSpPr>
+      <p:sp>
+        <p:nvSpPr>
+          <p:cNvPr id="2" name="Slide Image Placeholder 1"/>
+          <p:cNvSpPr>
+            <a:spLocks noGrp="1" noRot="1" noChangeAspect="1"/>
+          </p:cNvSpPr>
+          <p:nvPr>
+            <p:ph type="sldImg"/>
+          </p:nvPr>
+        </p:nvSpPr>
+        <p:spPr/>
+      </p:sp>
+      <p:sp>
+        <p:nvSpPr>
+          <p:cNvPr id="3" name="Notes Placeholder 2"/>
+          <p:cNvSpPr>
+            <a:spLocks noGrp="1"/>
+          </p:cNvSpPr>
+          <p:nvPr>
+            <p:ph type="body" idx="1"/>
+          </p:nvPr>
+        </p:nvSpPr>
+        <p:spPr/>
+        <p:txBody>
+          <a:bodyPr/>
+          <a:lstStyle/>
+          <a:p>
+            <a:endParaRPr lang="en-US"/>
+          </a:p>
+        </p:txBody>
+      </p:sp>
+      <p:sp>
+        <p:nvSpPr>
+          <p:cNvPr id="4" name="Slide Number Placeholder 3"/>
+          <p:cNvSpPr>
+            <a:spLocks noGrp="1"/>
+          </p:cNvSpPr>
+          <p:nvPr>
+            <p:ph type="sldNum" sz="quarter" idx="5"/>
+          </p:nvPr>
+        </p:nvSpPr>
+        <p:spPr/>
+        <p:txBody>
+          <a:bodyPr/>
+          <a:lstStyle/>
+          <a:p>
+            <a:fld id="{26A7F145-F640-2947-8203-25937C44BEDF}" type="slidenum">
+              <a:rPr lang="en-US" smtClean="0"/>
+              <a:t>7</a:t>
+            </a:fld>
+            <a:endParaRPr lang="en-US"/>
+          </a:p>
+        </p:txBody>
+      </p:sp>
+    </p:spTree>
+    <p:extLst>
+      <p:ext uri="{BB962C8B-B14F-4D97-AF65-F5344CB8AC3E}">
         <p14:creationId xmlns:p14="http://schemas.microsoft.com/office/powerpoint/2010/main" val="263973925"/>
       </p:ext>
     </p:extLst>
@@ -953,7 +1038,7 @@
           <a:p>
             <a:fld id="{952835FF-3B0E-3041-AF8C-3F69E438AA42}" type="datetimeFigureOut">
               <a:rPr lang="en-US" smtClean="0"/>
-              <a:t>12/28/21</a:t>
+              <a:t>1/1/22</a:t>
             </a:fld>
             <a:endParaRPr lang="en-US"/>
           </a:p>
@@ -1151,7 +1236,7 @@
           <a:p>
             <a:fld id="{952835FF-3B0E-3041-AF8C-3F69E438AA42}" type="datetimeFigureOut">
               <a:rPr lang="en-US" smtClean="0"/>
-              <a:t>12/28/21</a:t>
+              <a:t>1/1/22</a:t>
             </a:fld>
             <a:endParaRPr lang="en-US"/>
           </a:p>
@@ -1359,7 +1444,7 @@
           <a:p>
             <a:fld id="{952835FF-3B0E-3041-AF8C-3F69E438AA42}" type="datetimeFigureOut">
               <a:rPr lang="en-US" smtClean="0"/>
-              <a:t>12/28/21</a:t>
+              <a:t>1/1/22</a:t>
             </a:fld>
             <a:endParaRPr lang="en-US"/>
           </a:p>
@@ -1557,7 +1642,7 @@
           <a:p>
             <a:fld id="{952835FF-3B0E-3041-AF8C-3F69E438AA42}" type="datetimeFigureOut">
               <a:rPr lang="en-US" smtClean="0"/>
-              <a:t>12/28/21</a:t>
+              <a:t>1/1/22</a:t>
             </a:fld>
             <a:endParaRPr lang="en-US"/>
           </a:p>
@@ -1832,7 +1917,7 @@
           <a:p>
             <a:fld id="{952835FF-3B0E-3041-AF8C-3F69E438AA42}" type="datetimeFigureOut">
               <a:rPr lang="en-US" smtClean="0"/>
-              <a:t>12/28/21</a:t>
+              <a:t>1/1/22</a:t>
             </a:fld>
             <a:endParaRPr lang="en-US"/>
           </a:p>
@@ -2097,7 +2182,7 @@
           <a:p>
             <a:fld id="{952835FF-3B0E-3041-AF8C-3F69E438AA42}" type="datetimeFigureOut">
               <a:rPr lang="en-US" smtClean="0"/>
-              <a:t>12/28/21</a:t>
+              <a:t>1/1/22</a:t>
             </a:fld>
             <a:endParaRPr lang="en-US"/>
           </a:p>
@@ -2509,7 +2594,7 @@
           <a:p>
             <a:fld id="{952835FF-3B0E-3041-AF8C-3F69E438AA42}" type="datetimeFigureOut">
               <a:rPr lang="en-US" smtClean="0"/>
-              <a:t>12/28/21</a:t>
+              <a:t>1/1/22</a:t>
             </a:fld>
             <a:endParaRPr lang="en-US"/>
           </a:p>
@@ -2650,7 +2735,7 @@
           <a:p>
             <a:fld id="{952835FF-3B0E-3041-AF8C-3F69E438AA42}" type="datetimeFigureOut">
               <a:rPr lang="en-US" smtClean="0"/>
-              <a:t>12/28/21</a:t>
+              <a:t>1/1/22</a:t>
             </a:fld>
             <a:endParaRPr lang="en-US"/>
           </a:p>
@@ -2763,7 +2848,7 @@
           <a:p>
             <a:fld id="{952835FF-3B0E-3041-AF8C-3F69E438AA42}" type="datetimeFigureOut">
               <a:rPr lang="en-US" smtClean="0"/>
-              <a:t>12/28/21</a:t>
+              <a:t>1/1/22</a:t>
             </a:fld>
             <a:endParaRPr lang="en-US"/>
           </a:p>
@@ -3074,7 +3159,7 @@
           <a:p>
             <a:fld id="{952835FF-3B0E-3041-AF8C-3F69E438AA42}" type="datetimeFigureOut">
               <a:rPr lang="en-US" smtClean="0"/>
-              <a:t>12/28/21</a:t>
+              <a:t>1/1/22</a:t>
             </a:fld>
             <a:endParaRPr lang="en-US"/>
           </a:p>
@@ -3362,7 +3447,7 @@
           <a:p>
             <a:fld id="{952835FF-3B0E-3041-AF8C-3F69E438AA42}" type="datetimeFigureOut">
               <a:rPr lang="en-US" smtClean="0"/>
-              <a:t>12/28/21</a:t>
+              <a:t>1/1/22</a:t>
             </a:fld>
             <a:endParaRPr lang="en-US"/>
           </a:p>
@@ -3603,7 +3688,7 @@
           <a:p>
             <a:fld id="{952835FF-3B0E-3041-AF8C-3F69E438AA42}" type="datetimeFigureOut">
               <a:rPr lang="en-US" smtClean="0"/>
-              <a:t>12/28/21</a:t>
+              <a:t>1/1/22</a:t>
             </a:fld>
             <a:endParaRPr lang="en-US"/>
           </a:p>
@@ -15518,6 +15603,1740 @@
       </p:grpSpPr>
       <p:sp>
         <p:nvSpPr>
+          <p:cNvPr id="34" name="Rectangle 33">
+            <a:extLst>
+              <a:ext uri="{FF2B5EF4-FFF2-40B4-BE49-F238E27FC236}">
+                <a16:creationId xmlns:a16="http://schemas.microsoft.com/office/drawing/2014/main" id="{026E7194-790A-B746-AF85-47B000878EBA}"/>
+              </a:ext>
+            </a:extLst>
+          </p:cNvPr>
+          <p:cNvSpPr/>
+          <p:nvPr/>
+        </p:nvSpPr>
+        <p:spPr>
+          <a:xfrm>
+            <a:off x="2643657" y="4682775"/>
+            <a:ext cx="336884" cy="336884"/>
+          </a:xfrm>
+          <a:prstGeom prst="rect">
+            <a:avLst/>
+          </a:prstGeom>
+          <a:solidFill>
+            <a:schemeClr val="bg1">
+              <a:lumMod val="85000"/>
+            </a:schemeClr>
+          </a:solidFill>
+          <a:ln>
+            <a:solidFill>
+              <a:schemeClr val="tx1">
+                <a:lumMod val="50000"/>
+                <a:lumOff val="50000"/>
+              </a:schemeClr>
+            </a:solidFill>
+          </a:ln>
+        </p:spPr>
+        <p:style>
+          <a:lnRef idx="2">
+            <a:schemeClr val="accent1">
+              <a:shade val="50000"/>
+            </a:schemeClr>
+          </a:lnRef>
+          <a:fillRef idx="1">
+            <a:schemeClr val="accent1"/>
+          </a:fillRef>
+          <a:effectRef idx="0">
+            <a:schemeClr val="accent1"/>
+          </a:effectRef>
+          <a:fontRef idx="minor">
+            <a:schemeClr val="lt1"/>
+          </a:fontRef>
+        </p:style>
+        <p:txBody>
+          <a:bodyPr rtlCol="0" anchor="ctr"/>
+          <a:lstStyle/>
+          <a:p>
+            <a:pPr algn="ctr"/>
+            <a:r>
+              <a:rPr lang="en-US" sz="1400" dirty="0">
+                <a:solidFill>
+                  <a:schemeClr val="tx1"/>
+                </a:solidFill>
+              </a:rPr>
+              <a:t>8</a:t>
+            </a:r>
+          </a:p>
+        </p:txBody>
+      </p:sp>
+      <p:sp>
+        <p:nvSpPr>
+          <p:cNvPr id="35" name="Rectangle 34">
+            <a:extLst>
+              <a:ext uri="{FF2B5EF4-FFF2-40B4-BE49-F238E27FC236}">
+                <a16:creationId xmlns:a16="http://schemas.microsoft.com/office/drawing/2014/main" id="{B2987F3F-35F1-754F-82E0-DA8C9551F2E2}"/>
+              </a:ext>
+            </a:extLst>
+          </p:cNvPr>
+          <p:cNvSpPr/>
+          <p:nvPr/>
+        </p:nvSpPr>
+        <p:spPr>
+          <a:xfrm>
+            <a:off x="3048771" y="4682775"/>
+            <a:ext cx="336884" cy="336884"/>
+          </a:xfrm>
+          <a:prstGeom prst="rect">
+            <a:avLst/>
+          </a:prstGeom>
+          <a:solidFill>
+            <a:schemeClr val="bg1">
+              <a:lumMod val="85000"/>
+            </a:schemeClr>
+          </a:solidFill>
+          <a:ln>
+            <a:solidFill>
+              <a:schemeClr val="tx1">
+                <a:lumMod val="50000"/>
+                <a:lumOff val="50000"/>
+              </a:schemeClr>
+            </a:solidFill>
+          </a:ln>
+        </p:spPr>
+        <p:style>
+          <a:lnRef idx="2">
+            <a:schemeClr val="accent1">
+              <a:shade val="50000"/>
+            </a:schemeClr>
+          </a:lnRef>
+          <a:fillRef idx="1">
+            <a:schemeClr val="accent1"/>
+          </a:fillRef>
+          <a:effectRef idx="0">
+            <a:schemeClr val="accent1"/>
+          </a:effectRef>
+          <a:fontRef idx="minor">
+            <a:schemeClr val="lt1"/>
+          </a:fontRef>
+        </p:style>
+        <p:txBody>
+          <a:bodyPr rtlCol="0" anchor="ctr"/>
+          <a:lstStyle/>
+          <a:p>
+            <a:pPr algn="ctr"/>
+            <a:r>
+              <a:rPr lang="en-US" sz="1400" dirty="0">
+                <a:solidFill>
+                  <a:schemeClr val="tx1"/>
+                </a:solidFill>
+              </a:rPr>
+              <a:t>1</a:t>
+            </a:r>
+          </a:p>
+        </p:txBody>
+      </p:sp>
+      <p:sp>
+        <p:nvSpPr>
+          <p:cNvPr id="36" name="Rectangle 35">
+            <a:extLst>
+              <a:ext uri="{FF2B5EF4-FFF2-40B4-BE49-F238E27FC236}">
+                <a16:creationId xmlns:a16="http://schemas.microsoft.com/office/drawing/2014/main" id="{453927FB-6A31-5443-9C08-C706DAA55157}"/>
+              </a:ext>
+            </a:extLst>
+          </p:cNvPr>
+          <p:cNvSpPr/>
+          <p:nvPr/>
+        </p:nvSpPr>
+        <p:spPr>
+          <a:xfrm>
+            <a:off x="2643657" y="5100166"/>
+            <a:ext cx="336884" cy="336884"/>
+          </a:xfrm>
+          <a:prstGeom prst="rect">
+            <a:avLst/>
+          </a:prstGeom>
+          <a:solidFill>
+            <a:schemeClr val="bg1">
+              <a:lumMod val="85000"/>
+            </a:schemeClr>
+          </a:solidFill>
+          <a:ln>
+            <a:solidFill>
+              <a:schemeClr val="tx1">
+                <a:lumMod val="50000"/>
+                <a:lumOff val="50000"/>
+              </a:schemeClr>
+            </a:solidFill>
+          </a:ln>
+        </p:spPr>
+        <p:style>
+          <a:lnRef idx="2">
+            <a:schemeClr val="accent1">
+              <a:shade val="50000"/>
+            </a:schemeClr>
+          </a:lnRef>
+          <a:fillRef idx="1">
+            <a:schemeClr val="accent1"/>
+          </a:fillRef>
+          <a:effectRef idx="0">
+            <a:schemeClr val="accent1"/>
+          </a:effectRef>
+          <a:fontRef idx="minor">
+            <a:schemeClr val="lt1"/>
+          </a:fontRef>
+        </p:style>
+        <p:txBody>
+          <a:bodyPr rtlCol="0" anchor="ctr"/>
+          <a:lstStyle/>
+          <a:p>
+            <a:pPr algn="ctr"/>
+            <a:r>
+              <a:rPr lang="en-US" sz="1400" dirty="0">
+                <a:solidFill>
+                  <a:schemeClr val="tx1"/>
+                </a:solidFill>
+              </a:rPr>
+              <a:t>0</a:t>
+            </a:r>
+          </a:p>
+        </p:txBody>
+      </p:sp>
+      <p:sp>
+        <p:nvSpPr>
+          <p:cNvPr id="37" name="Rectangle 36">
+            <a:extLst>
+              <a:ext uri="{FF2B5EF4-FFF2-40B4-BE49-F238E27FC236}">
+                <a16:creationId xmlns:a16="http://schemas.microsoft.com/office/drawing/2014/main" id="{FB066E7A-8529-E945-B50A-90FE2932690F}"/>
+              </a:ext>
+            </a:extLst>
+          </p:cNvPr>
+          <p:cNvSpPr/>
+          <p:nvPr/>
+        </p:nvSpPr>
+        <p:spPr>
+          <a:xfrm>
+            <a:off x="3048771" y="5100166"/>
+            <a:ext cx="336884" cy="336884"/>
+          </a:xfrm>
+          <a:prstGeom prst="rect">
+            <a:avLst/>
+          </a:prstGeom>
+          <a:solidFill>
+            <a:schemeClr val="bg1">
+              <a:lumMod val="85000"/>
+            </a:schemeClr>
+          </a:solidFill>
+          <a:ln>
+            <a:solidFill>
+              <a:schemeClr val="tx1">
+                <a:lumMod val="50000"/>
+                <a:lumOff val="50000"/>
+              </a:schemeClr>
+            </a:solidFill>
+          </a:ln>
+        </p:spPr>
+        <p:style>
+          <a:lnRef idx="2">
+            <a:schemeClr val="accent1">
+              <a:shade val="50000"/>
+            </a:schemeClr>
+          </a:lnRef>
+          <a:fillRef idx="1">
+            <a:schemeClr val="accent1"/>
+          </a:fillRef>
+          <a:effectRef idx="0">
+            <a:schemeClr val="accent1"/>
+          </a:effectRef>
+          <a:fontRef idx="minor">
+            <a:schemeClr val="lt1"/>
+          </a:fontRef>
+        </p:style>
+        <p:txBody>
+          <a:bodyPr rtlCol="0" anchor="ctr"/>
+          <a:lstStyle/>
+          <a:p>
+            <a:pPr algn="ctr"/>
+            <a:r>
+              <a:rPr lang="en-US" sz="1400" dirty="0">
+                <a:solidFill>
+                  <a:schemeClr val="tx1"/>
+                </a:solidFill>
+              </a:rPr>
+              <a:t>0</a:t>
+            </a:r>
+          </a:p>
+        </p:txBody>
+      </p:sp>
+      <p:sp>
+        <p:nvSpPr>
+          <p:cNvPr id="38" name="Rectangle 37">
+            <a:extLst>
+              <a:ext uri="{FF2B5EF4-FFF2-40B4-BE49-F238E27FC236}">
+                <a16:creationId xmlns:a16="http://schemas.microsoft.com/office/drawing/2014/main" id="{3F160E60-9C1C-B34C-9FD9-C12274CC2140}"/>
+              </a:ext>
+            </a:extLst>
+          </p:cNvPr>
+          <p:cNvSpPr/>
+          <p:nvPr/>
+        </p:nvSpPr>
+        <p:spPr>
+          <a:xfrm>
+            <a:off x="2643657" y="5517806"/>
+            <a:ext cx="336884" cy="336884"/>
+          </a:xfrm>
+          <a:prstGeom prst="rect">
+            <a:avLst/>
+          </a:prstGeom>
+          <a:solidFill>
+            <a:schemeClr val="bg1">
+              <a:lumMod val="85000"/>
+            </a:schemeClr>
+          </a:solidFill>
+          <a:ln>
+            <a:solidFill>
+              <a:schemeClr val="tx1">
+                <a:lumMod val="50000"/>
+                <a:lumOff val="50000"/>
+              </a:schemeClr>
+            </a:solidFill>
+          </a:ln>
+        </p:spPr>
+        <p:style>
+          <a:lnRef idx="2">
+            <a:schemeClr val="accent1">
+              <a:shade val="50000"/>
+            </a:schemeClr>
+          </a:lnRef>
+          <a:fillRef idx="1">
+            <a:schemeClr val="accent1"/>
+          </a:fillRef>
+          <a:effectRef idx="0">
+            <a:schemeClr val="accent1"/>
+          </a:effectRef>
+          <a:fontRef idx="minor">
+            <a:schemeClr val="lt1"/>
+          </a:fontRef>
+        </p:style>
+        <p:txBody>
+          <a:bodyPr rtlCol="0" anchor="ctr"/>
+          <a:lstStyle/>
+          <a:p>
+            <a:pPr algn="ctr"/>
+            <a:r>
+              <a:rPr lang="en-US" sz="1400" dirty="0">
+                <a:solidFill>
+                  <a:schemeClr val="tx1"/>
+                </a:solidFill>
+              </a:rPr>
+              <a:t>2</a:t>
+            </a:r>
+          </a:p>
+        </p:txBody>
+      </p:sp>
+      <p:sp>
+        <p:nvSpPr>
+          <p:cNvPr id="39" name="Rectangle 38">
+            <a:extLst>
+              <a:ext uri="{FF2B5EF4-FFF2-40B4-BE49-F238E27FC236}">
+                <a16:creationId xmlns:a16="http://schemas.microsoft.com/office/drawing/2014/main" id="{DDE9FE19-0747-FB44-A0E4-108FB4F5F103}"/>
+              </a:ext>
+            </a:extLst>
+          </p:cNvPr>
+          <p:cNvSpPr/>
+          <p:nvPr/>
+        </p:nvSpPr>
+        <p:spPr>
+          <a:xfrm>
+            <a:off x="3048771" y="5517806"/>
+            <a:ext cx="336884" cy="336884"/>
+          </a:xfrm>
+          <a:prstGeom prst="rect">
+            <a:avLst/>
+          </a:prstGeom>
+          <a:solidFill>
+            <a:schemeClr val="bg1">
+              <a:lumMod val="85000"/>
+            </a:schemeClr>
+          </a:solidFill>
+          <a:ln>
+            <a:solidFill>
+              <a:schemeClr val="tx1">
+                <a:lumMod val="50000"/>
+                <a:lumOff val="50000"/>
+              </a:schemeClr>
+            </a:solidFill>
+          </a:ln>
+        </p:spPr>
+        <p:style>
+          <a:lnRef idx="2">
+            <a:schemeClr val="accent1">
+              <a:shade val="50000"/>
+            </a:schemeClr>
+          </a:lnRef>
+          <a:fillRef idx="1">
+            <a:schemeClr val="accent1"/>
+          </a:fillRef>
+          <a:effectRef idx="0">
+            <a:schemeClr val="accent1"/>
+          </a:effectRef>
+          <a:fontRef idx="minor">
+            <a:schemeClr val="lt1"/>
+          </a:fontRef>
+        </p:style>
+        <p:txBody>
+          <a:bodyPr rtlCol="0" anchor="ctr"/>
+          <a:lstStyle/>
+          <a:p>
+            <a:pPr algn="ctr"/>
+            <a:r>
+              <a:rPr lang="en-US" sz="1400" dirty="0">
+                <a:solidFill>
+                  <a:schemeClr val="tx1"/>
+                </a:solidFill>
+              </a:rPr>
+              <a:t>4</a:t>
+            </a:r>
+          </a:p>
+        </p:txBody>
+      </p:sp>
+      <p:sp>
+        <p:nvSpPr>
+          <p:cNvPr id="29" name="Rectangle 28">
+            <a:extLst>
+              <a:ext uri="{FF2B5EF4-FFF2-40B4-BE49-F238E27FC236}">
+                <a16:creationId xmlns:a16="http://schemas.microsoft.com/office/drawing/2014/main" id="{CA1803F7-E639-E445-8837-6328E38E66D3}"/>
+              </a:ext>
+            </a:extLst>
+          </p:cNvPr>
+          <p:cNvSpPr/>
+          <p:nvPr/>
+        </p:nvSpPr>
+        <p:spPr>
+          <a:xfrm>
+            <a:off x="1273691" y="4682775"/>
+            <a:ext cx="336884" cy="336884"/>
+          </a:xfrm>
+          <a:prstGeom prst="rect">
+            <a:avLst/>
+          </a:prstGeom>
+          <a:solidFill>
+            <a:schemeClr val="bg1">
+              <a:lumMod val="85000"/>
+            </a:schemeClr>
+          </a:solidFill>
+          <a:ln>
+            <a:solidFill>
+              <a:schemeClr val="tx1">
+                <a:lumMod val="50000"/>
+                <a:lumOff val="50000"/>
+              </a:schemeClr>
+            </a:solidFill>
+          </a:ln>
+        </p:spPr>
+        <p:style>
+          <a:lnRef idx="2">
+            <a:schemeClr val="accent1">
+              <a:shade val="50000"/>
+            </a:schemeClr>
+          </a:lnRef>
+          <a:fillRef idx="1">
+            <a:schemeClr val="accent1"/>
+          </a:fillRef>
+          <a:effectRef idx="0">
+            <a:schemeClr val="accent1"/>
+          </a:effectRef>
+          <a:fontRef idx="minor">
+            <a:schemeClr val="lt1"/>
+          </a:fontRef>
+        </p:style>
+        <p:txBody>
+          <a:bodyPr rtlCol="0" anchor="ctr"/>
+          <a:lstStyle/>
+          <a:p>
+            <a:pPr algn="ctr"/>
+            <a:r>
+              <a:rPr lang="en-US" sz="1400" dirty="0">
+                <a:solidFill>
+                  <a:schemeClr val="tx1"/>
+                </a:solidFill>
+              </a:rPr>
+              <a:t>0</a:t>
+            </a:r>
+          </a:p>
+        </p:txBody>
+      </p:sp>
+      <p:sp>
+        <p:nvSpPr>
+          <p:cNvPr id="30" name="Rectangle 29">
+            <a:extLst>
+              <a:ext uri="{FF2B5EF4-FFF2-40B4-BE49-F238E27FC236}">
+                <a16:creationId xmlns:a16="http://schemas.microsoft.com/office/drawing/2014/main" id="{B94E7030-BEE7-EC41-830B-34ECD5665D67}"/>
+              </a:ext>
+            </a:extLst>
+          </p:cNvPr>
+          <p:cNvSpPr/>
+          <p:nvPr/>
+        </p:nvSpPr>
+        <p:spPr>
+          <a:xfrm>
+            <a:off x="1678805" y="4682775"/>
+            <a:ext cx="336884" cy="336884"/>
+          </a:xfrm>
+          <a:prstGeom prst="rect">
+            <a:avLst/>
+          </a:prstGeom>
+          <a:solidFill>
+            <a:schemeClr val="bg1">
+              <a:lumMod val="85000"/>
+            </a:schemeClr>
+          </a:solidFill>
+          <a:ln>
+            <a:solidFill>
+              <a:schemeClr val="tx1">
+                <a:lumMod val="50000"/>
+                <a:lumOff val="50000"/>
+              </a:schemeClr>
+            </a:solidFill>
+          </a:ln>
+        </p:spPr>
+        <p:style>
+          <a:lnRef idx="2">
+            <a:schemeClr val="accent1">
+              <a:shade val="50000"/>
+            </a:schemeClr>
+          </a:lnRef>
+          <a:fillRef idx="1">
+            <a:schemeClr val="accent1"/>
+          </a:fillRef>
+          <a:effectRef idx="0">
+            <a:schemeClr val="accent1"/>
+          </a:effectRef>
+          <a:fontRef idx="minor">
+            <a:schemeClr val="lt1"/>
+          </a:fontRef>
+        </p:style>
+        <p:txBody>
+          <a:bodyPr rtlCol="0" anchor="ctr"/>
+          <a:lstStyle/>
+          <a:p>
+            <a:pPr algn="ctr"/>
+            <a:r>
+              <a:rPr lang="en-US" sz="1400" dirty="0">
+                <a:solidFill>
+                  <a:schemeClr val="tx1"/>
+                </a:solidFill>
+              </a:rPr>
+              <a:t>2</a:t>
+            </a:r>
+          </a:p>
+        </p:txBody>
+      </p:sp>
+      <p:sp>
+        <p:nvSpPr>
+          <p:cNvPr id="31" name="Rectangle 30">
+            <a:extLst>
+              <a:ext uri="{FF2B5EF4-FFF2-40B4-BE49-F238E27FC236}">
+                <a16:creationId xmlns:a16="http://schemas.microsoft.com/office/drawing/2014/main" id="{4297ED4E-AAB3-D54E-A850-8C0AF3D0F220}"/>
+              </a:ext>
+            </a:extLst>
+          </p:cNvPr>
+          <p:cNvSpPr/>
+          <p:nvPr/>
+        </p:nvSpPr>
+        <p:spPr>
+          <a:xfrm>
+            <a:off x="1273691" y="5100166"/>
+            <a:ext cx="336884" cy="336884"/>
+          </a:xfrm>
+          <a:prstGeom prst="rect">
+            <a:avLst/>
+          </a:prstGeom>
+          <a:solidFill>
+            <a:schemeClr val="bg1">
+              <a:lumMod val="85000"/>
+            </a:schemeClr>
+          </a:solidFill>
+          <a:ln>
+            <a:solidFill>
+              <a:schemeClr val="tx1">
+                <a:lumMod val="50000"/>
+                <a:lumOff val="50000"/>
+              </a:schemeClr>
+            </a:solidFill>
+          </a:ln>
+        </p:spPr>
+        <p:style>
+          <a:lnRef idx="2">
+            <a:schemeClr val="accent1">
+              <a:shade val="50000"/>
+            </a:schemeClr>
+          </a:lnRef>
+          <a:fillRef idx="1">
+            <a:schemeClr val="accent1"/>
+          </a:fillRef>
+          <a:effectRef idx="0">
+            <a:schemeClr val="accent1"/>
+          </a:effectRef>
+          <a:fontRef idx="minor">
+            <a:schemeClr val="lt1"/>
+          </a:fontRef>
+        </p:style>
+        <p:txBody>
+          <a:bodyPr rtlCol="0" anchor="ctr"/>
+          <a:lstStyle/>
+          <a:p>
+            <a:pPr algn="ctr"/>
+            <a:r>
+              <a:rPr lang="en-US" sz="1400" dirty="0">
+                <a:solidFill>
+                  <a:schemeClr val="tx1"/>
+                </a:solidFill>
+              </a:rPr>
+              <a:t>0</a:t>
+            </a:r>
+          </a:p>
+        </p:txBody>
+      </p:sp>
+      <p:sp>
+        <p:nvSpPr>
+          <p:cNvPr id="32" name="Rectangle 31">
+            <a:extLst>
+              <a:ext uri="{FF2B5EF4-FFF2-40B4-BE49-F238E27FC236}">
+                <a16:creationId xmlns:a16="http://schemas.microsoft.com/office/drawing/2014/main" id="{C5BEBAAD-9BD6-0440-B45D-584E2777EF91}"/>
+              </a:ext>
+            </a:extLst>
+          </p:cNvPr>
+          <p:cNvSpPr/>
+          <p:nvPr/>
+        </p:nvSpPr>
+        <p:spPr>
+          <a:xfrm>
+            <a:off x="1678805" y="5100166"/>
+            <a:ext cx="336884" cy="336884"/>
+          </a:xfrm>
+          <a:prstGeom prst="rect">
+            <a:avLst/>
+          </a:prstGeom>
+          <a:solidFill>
+            <a:schemeClr val="bg1">
+              <a:lumMod val="85000"/>
+            </a:schemeClr>
+          </a:solidFill>
+          <a:ln>
+            <a:solidFill>
+              <a:schemeClr val="tx1">
+                <a:lumMod val="50000"/>
+                <a:lumOff val="50000"/>
+              </a:schemeClr>
+            </a:solidFill>
+          </a:ln>
+        </p:spPr>
+        <p:style>
+          <a:lnRef idx="2">
+            <a:schemeClr val="accent1">
+              <a:shade val="50000"/>
+            </a:schemeClr>
+          </a:lnRef>
+          <a:fillRef idx="1">
+            <a:schemeClr val="accent1"/>
+          </a:fillRef>
+          <a:effectRef idx="0">
+            <a:schemeClr val="accent1"/>
+          </a:effectRef>
+          <a:fontRef idx="minor">
+            <a:schemeClr val="lt1"/>
+          </a:fontRef>
+        </p:style>
+        <p:txBody>
+          <a:bodyPr rtlCol="0" anchor="ctr"/>
+          <a:lstStyle/>
+          <a:p>
+            <a:pPr algn="ctr"/>
+            <a:r>
+              <a:rPr lang="en-US" sz="1400" dirty="0">
+                <a:solidFill>
+                  <a:schemeClr val="tx1"/>
+                </a:solidFill>
+              </a:rPr>
+              <a:t>4</a:t>
+            </a:r>
+          </a:p>
+        </p:txBody>
+      </p:sp>
+      <p:sp>
+        <p:nvSpPr>
+          <p:cNvPr id="45" name="Rectangle 44">
+            <a:extLst>
+              <a:ext uri="{FF2B5EF4-FFF2-40B4-BE49-F238E27FC236}">
+                <a16:creationId xmlns:a16="http://schemas.microsoft.com/office/drawing/2014/main" id="{8DCB177A-B417-E741-8400-7C56ADA3BF68}"/>
+              </a:ext>
+            </a:extLst>
+          </p:cNvPr>
+          <p:cNvSpPr/>
+          <p:nvPr/>
+        </p:nvSpPr>
+        <p:spPr>
+          <a:xfrm>
+            <a:off x="856247" y="4682775"/>
+            <a:ext cx="336884" cy="336884"/>
+          </a:xfrm>
+          <a:prstGeom prst="rect">
+            <a:avLst/>
+          </a:prstGeom>
+          <a:solidFill>
+            <a:schemeClr val="bg1">
+              <a:lumMod val="85000"/>
+            </a:schemeClr>
+          </a:solidFill>
+          <a:ln>
+            <a:solidFill>
+              <a:schemeClr val="tx1">
+                <a:lumMod val="50000"/>
+                <a:lumOff val="50000"/>
+              </a:schemeClr>
+            </a:solidFill>
+          </a:ln>
+        </p:spPr>
+        <p:style>
+          <a:lnRef idx="2">
+            <a:schemeClr val="accent1">
+              <a:shade val="50000"/>
+            </a:schemeClr>
+          </a:lnRef>
+          <a:fillRef idx="1">
+            <a:schemeClr val="accent1"/>
+          </a:fillRef>
+          <a:effectRef idx="0">
+            <a:schemeClr val="accent1"/>
+          </a:effectRef>
+          <a:fontRef idx="minor">
+            <a:schemeClr val="lt1"/>
+          </a:fontRef>
+        </p:style>
+        <p:txBody>
+          <a:bodyPr rtlCol="0" anchor="ctr"/>
+          <a:lstStyle/>
+          <a:p>
+            <a:pPr algn="ctr"/>
+            <a:r>
+              <a:rPr lang="en-US" sz="1400" dirty="0">
+                <a:solidFill>
+                  <a:schemeClr val="tx1"/>
+                </a:solidFill>
+              </a:rPr>
+              <a:t>8</a:t>
+            </a:r>
+          </a:p>
+        </p:txBody>
+      </p:sp>
+      <p:sp>
+        <p:nvSpPr>
+          <p:cNvPr id="54" name="Rectangle 53">
+            <a:extLst>
+              <a:ext uri="{FF2B5EF4-FFF2-40B4-BE49-F238E27FC236}">
+                <a16:creationId xmlns:a16="http://schemas.microsoft.com/office/drawing/2014/main" id="{1FD0E43F-847B-1245-85E4-89FE62A898F2}"/>
+              </a:ext>
+            </a:extLst>
+          </p:cNvPr>
+          <p:cNvSpPr/>
+          <p:nvPr/>
+        </p:nvSpPr>
+        <p:spPr>
+          <a:xfrm>
+            <a:off x="856247" y="5100166"/>
+            <a:ext cx="336884" cy="336884"/>
+          </a:xfrm>
+          <a:prstGeom prst="rect">
+            <a:avLst/>
+          </a:prstGeom>
+          <a:solidFill>
+            <a:schemeClr val="bg1">
+              <a:lumMod val="85000"/>
+            </a:schemeClr>
+          </a:solidFill>
+          <a:ln>
+            <a:solidFill>
+              <a:schemeClr val="tx1">
+                <a:lumMod val="50000"/>
+                <a:lumOff val="50000"/>
+              </a:schemeClr>
+            </a:solidFill>
+          </a:ln>
+        </p:spPr>
+        <p:style>
+          <a:lnRef idx="2">
+            <a:schemeClr val="accent1">
+              <a:shade val="50000"/>
+            </a:schemeClr>
+          </a:lnRef>
+          <a:fillRef idx="1">
+            <a:schemeClr val="accent1"/>
+          </a:fillRef>
+          <a:effectRef idx="0">
+            <a:schemeClr val="accent1"/>
+          </a:effectRef>
+          <a:fontRef idx="minor">
+            <a:schemeClr val="lt1"/>
+          </a:fontRef>
+        </p:style>
+        <p:txBody>
+          <a:bodyPr rtlCol="0" anchor="ctr"/>
+          <a:lstStyle/>
+          <a:p>
+            <a:pPr algn="ctr"/>
+            <a:r>
+              <a:rPr lang="en-US" sz="1400" dirty="0">
+                <a:solidFill>
+                  <a:schemeClr val="tx1"/>
+                </a:solidFill>
+              </a:rPr>
+              <a:t>1</a:t>
+            </a:r>
+          </a:p>
+        </p:txBody>
+      </p:sp>
+      <p:sp>
+        <p:nvSpPr>
+          <p:cNvPr id="64" name="Rectangle 63">
+            <a:extLst>
+              <a:ext uri="{FF2B5EF4-FFF2-40B4-BE49-F238E27FC236}">
+                <a16:creationId xmlns:a16="http://schemas.microsoft.com/office/drawing/2014/main" id="{3F09A1BB-6FFA-BF45-AA08-1B15078707DD}"/>
+              </a:ext>
+            </a:extLst>
+          </p:cNvPr>
+          <p:cNvSpPr/>
+          <p:nvPr/>
+        </p:nvSpPr>
+        <p:spPr>
+          <a:xfrm>
+            <a:off x="4007995" y="4682775"/>
+            <a:ext cx="336884" cy="336884"/>
+          </a:xfrm>
+          <a:prstGeom prst="rect">
+            <a:avLst/>
+          </a:prstGeom>
+          <a:solidFill>
+            <a:schemeClr val="bg1">
+              <a:lumMod val="85000"/>
+            </a:schemeClr>
+          </a:solidFill>
+          <a:ln>
+            <a:solidFill>
+              <a:schemeClr val="tx1">
+                <a:lumMod val="50000"/>
+                <a:lumOff val="50000"/>
+              </a:schemeClr>
+            </a:solidFill>
+          </a:ln>
+        </p:spPr>
+        <p:style>
+          <a:lnRef idx="2">
+            <a:schemeClr val="accent1">
+              <a:shade val="50000"/>
+            </a:schemeClr>
+          </a:lnRef>
+          <a:fillRef idx="1">
+            <a:schemeClr val="accent1"/>
+          </a:fillRef>
+          <a:effectRef idx="0">
+            <a:schemeClr val="accent1"/>
+          </a:effectRef>
+          <a:fontRef idx="minor">
+            <a:schemeClr val="lt1"/>
+          </a:fontRef>
+        </p:style>
+        <p:txBody>
+          <a:bodyPr rtlCol="0" anchor="ctr"/>
+          <a:lstStyle/>
+          <a:p>
+            <a:pPr algn="ctr"/>
+            <a:r>
+              <a:rPr lang="en-US" sz="1400" dirty="0">
+                <a:solidFill>
+                  <a:schemeClr val="tx1"/>
+                </a:solidFill>
+              </a:rPr>
+              <a:t>1</a:t>
+            </a:r>
+          </a:p>
+        </p:txBody>
+      </p:sp>
+      <p:sp>
+        <p:nvSpPr>
+          <p:cNvPr id="65" name="Rectangle 64">
+            <a:extLst>
+              <a:ext uri="{FF2B5EF4-FFF2-40B4-BE49-F238E27FC236}">
+                <a16:creationId xmlns:a16="http://schemas.microsoft.com/office/drawing/2014/main" id="{D02855BD-A431-9640-8CA4-E4922B1577E2}"/>
+              </a:ext>
+            </a:extLst>
+          </p:cNvPr>
+          <p:cNvSpPr/>
+          <p:nvPr/>
+        </p:nvSpPr>
+        <p:spPr>
+          <a:xfrm>
+            <a:off x="4007995" y="5100166"/>
+            <a:ext cx="336884" cy="336884"/>
+          </a:xfrm>
+          <a:prstGeom prst="rect">
+            <a:avLst/>
+          </a:prstGeom>
+          <a:solidFill>
+            <a:schemeClr val="bg1">
+              <a:lumMod val="85000"/>
+            </a:schemeClr>
+          </a:solidFill>
+          <a:ln>
+            <a:solidFill>
+              <a:schemeClr val="tx1">
+                <a:lumMod val="50000"/>
+                <a:lumOff val="50000"/>
+              </a:schemeClr>
+            </a:solidFill>
+          </a:ln>
+        </p:spPr>
+        <p:style>
+          <a:lnRef idx="2">
+            <a:schemeClr val="accent1">
+              <a:shade val="50000"/>
+            </a:schemeClr>
+          </a:lnRef>
+          <a:fillRef idx="1">
+            <a:schemeClr val="accent1"/>
+          </a:fillRef>
+          <a:effectRef idx="0">
+            <a:schemeClr val="accent1"/>
+          </a:effectRef>
+          <a:fontRef idx="minor">
+            <a:schemeClr val="lt1"/>
+          </a:fontRef>
+        </p:style>
+        <p:txBody>
+          <a:bodyPr rtlCol="0" anchor="ctr"/>
+          <a:lstStyle/>
+          <a:p>
+            <a:pPr algn="ctr"/>
+            <a:r>
+              <a:rPr lang="en-US" sz="1400" dirty="0">
+                <a:solidFill>
+                  <a:schemeClr val="tx1"/>
+                </a:solidFill>
+              </a:rPr>
+              <a:t>0</a:t>
+            </a:r>
+          </a:p>
+        </p:txBody>
+      </p:sp>
+      <p:sp>
+        <p:nvSpPr>
+          <p:cNvPr id="66" name="Rectangle 65">
+            <a:extLst>
+              <a:ext uri="{FF2B5EF4-FFF2-40B4-BE49-F238E27FC236}">
+                <a16:creationId xmlns:a16="http://schemas.microsoft.com/office/drawing/2014/main" id="{799A16B6-6E11-0841-AA6B-094A58DCF6E9}"/>
+              </a:ext>
+            </a:extLst>
+          </p:cNvPr>
+          <p:cNvSpPr/>
+          <p:nvPr/>
+        </p:nvSpPr>
+        <p:spPr>
+          <a:xfrm>
+            <a:off x="4007995" y="5517806"/>
+            <a:ext cx="336884" cy="336884"/>
+          </a:xfrm>
+          <a:prstGeom prst="rect">
+            <a:avLst/>
+          </a:prstGeom>
+          <a:solidFill>
+            <a:schemeClr val="bg1">
+              <a:lumMod val="85000"/>
+            </a:schemeClr>
+          </a:solidFill>
+          <a:ln>
+            <a:solidFill>
+              <a:schemeClr val="tx1">
+                <a:lumMod val="50000"/>
+                <a:lumOff val="50000"/>
+              </a:schemeClr>
+            </a:solidFill>
+          </a:ln>
+        </p:spPr>
+        <p:style>
+          <a:lnRef idx="2">
+            <a:schemeClr val="accent1">
+              <a:shade val="50000"/>
+            </a:schemeClr>
+          </a:lnRef>
+          <a:fillRef idx="1">
+            <a:schemeClr val="accent1"/>
+          </a:fillRef>
+          <a:effectRef idx="0">
+            <a:schemeClr val="accent1"/>
+          </a:effectRef>
+          <a:fontRef idx="minor">
+            <a:schemeClr val="lt1"/>
+          </a:fontRef>
+        </p:style>
+        <p:txBody>
+          <a:bodyPr rtlCol="0" anchor="ctr"/>
+          <a:lstStyle/>
+          <a:p>
+            <a:pPr algn="ctr"/>
+            <a:r>
+              <a:rPr lang="en-US" sz="1400" dirty="0">
+                <a:solidFill>
+                  <a:schemeClr val="tx1"/>
+                </a:solidFill>
+              </a:rPr>
+              <a:t>4</a:t>
+            </a:r>
+          </a:p>
+        </p:txBody>
+      </p:sp>
+      <p:sp>
+        <p:nvSpPr>
+          <p:cNvPr id="67" name="Rectangle 66">
+            <a:extLst>
+              <a:ext uri="{FF2B5EF4-FFF2-40B4-BE49-F238E27FC236}">
+                <a16:creationId xmlns:a16="http://schemas.microsoft.com/office/drawing/2014/main" id="{FC4F1266-FDAC-BB42-8222-590A8B2C1ED8}"/>
+              </a:ext>
+            </a:extLst>
+          </p:cNvPr>
+          <p:cNvSpPr/>
+          <p:nvPr/>
+        </p:nvSpPr>
+        <p:spPr>
+          <a:xfrm>
+            <a:off x="4967219" y="4682775"/>
+            <a:ext cx="336884" cy="336884"/>
+          </a:xfrm>
+          <a:prstGeom prst="rect">
+            <a:avLst/>
+          </a:prstGeom>
+          <a:solidFill>
+            <a:schemeClr val="bg1">
+              <a:lumMod val="85000"/>
+            </a:schemeClr>
+          </a:solidFill>
+          <a:ln>
+            <a:solidFill>
+              <a:schemeClr val="tx1">
+                <a:lumMod val="50000"/>
+                <a:lumOff val="50000"/>
+              </a:schemeClr>
+            </a:solidFill>
+          </a:ln>
+        </p:spPr>
+        <p:style>
+          <a:lnRef idx="2">
+            <a:schemeClr val="accent1">
+              <a:shade val="50000"/>
+            </a:schemeClr>
+          </a:lnRef>
+          <a:fillRef idx="1">
+            <a:schemeClr val="accent1"/>
+          </a:fillRef>
+          <a:effectRef idx="0">
+            <a:schemeClr val="accent1"/>
+          </a:effectRef>
+          <a:fontRef idx="minor">
+            <a:schemeClr val="lt1"/>
+          </a:fontRef>
+        </p:style>
+        <p:txBody>
+          <a:bodyPr rtlCol="0" anchor="ctr"/>
+          <a:lstStyle/>
+          <a:p>
+            <a:pPr algn="ctr"/>
+            <a:r>
+              <a:rPr lang="en-US" sz="1400" dirty="0">
+                <a:solidFill>
+                  <a:schemeClr val="tx1"/>
+                </a:solidFill>
+              </a:rPr>
+              <a:t>1</a:t>
+            </a:r>
+          </a:p>
+        </p:txBody>
+      </p:sp>
+      <p:sp>
+        <p:nvSpPr>
+          <p:cNvPr id="68" name="Rectangle 67">
+            <a:extLst>
+              <a:ext uri="{FF2B5EF4-FFF2-40B4-BE49-F238E27FC236}">
+                <a16:creationId xmlns:a16="http://schemas.microsoft.com/office/drawing/2014/main" id="{B4572862-E53C-4E49-AE0C-BB337A99F5D7}"/>
+              </a:ext>
+            </a:extLst>
+          </p:cNvPr>
+          <p:cNvSpPr/>
+          <p:nvPr/>
+        </p:nvSpPr>
+        <p:spPr>
+          <a:xfrm>
+            <a:off x="4967219" y="5100166"/>
+            <a:ext cx="336884" cy="336884"/>
+          </a:xfrm>
+          <a:prstGeom prst="rect">
+            <a:avLst/>
+          </a:prstGeom>
+          <a:solidFill>
+            <a:schemeClr val="bg1">
+              <a:lumMod val="85000"/>
+            </a:schemeClr>
+          </a:solidFill>
+          <a:ln>
+            <a:solidFill>
+              <a:schemeClr val="tx1">
+                <a:lumMod val="50000"/>
+                <a:lumOff val="50000"/>
+              </a:schemeClr>
+            </a:solidFill>
+          </a:ln>
+        </p:spPr>
+        <p:style>
+          <a:lnRef idx="2">
+            <a:schemeClr val="accent1">
+              <a:shade val="50000"/>
+            </a:schemeClr>
+          </a:lnRef>
+          <a:fillRef idx="1">
+            <a:schemeClr val="accent1"/>
+          </a:fillRef>
+          <a:effectRef idx="0">
+            <a:schemeClr val="accent1"/>
+          </a:effectRef>
+          <a:fontRef idx="minor">
+            <a:schemeClr val="lt1"/>
+          </a:fontRef>
+        </p:style>
+        <p:txBody>
+          <a:bodyPr rtlCol="0" anchor="ctr"/>
+          <a:lstStyle/>
+          <a:p>
+            <a:pPr algn="ctr"/>
+            <a:r>
+              <a:rPr lang="en-US" sz="1400" dirty="0">
+                <a:solidFill>
+                  <a:schemeClr val="tx1"/>
+                </a:solidFill>
+              </a:rPr>
+              <a:t>0</a:t>
+            </a:r>
+          </a:p>
+        </p:txBody>
+      </p:sp>
+      <p:sp>
+        <p:nvSpPr>
+          <p:cNvPr id="69" name="Rectangle 68">
+            <a:extLst>
+              <a:ext uri="{FF2B5EF4-FFF2-40B4-BE49-F238E27FC236}">
+                <a16:creationId xmlns:a16="http://schemas.microsoft.com/office/drawing/2014/main" id="{5817041D-F741-0C49-8238-9A613C2B2421}"/>
+              </a:ext>
+            </a:extLst>
+          </p:cNvPr>
+          <p:cNvSpPr/>
+          <p:nvPr/>
+        </p:nvSpPr>
+        <p:spPr>
+          <a:xfrm>
+            <a:off x="4967219" y="5517806"/>
+            <a:ext cx="336884" cy="336884"/>
+          </a:xfrm>
+          <a:prstGeom prst="rect">
+            <a:avLst/>
+          </a:prstGeom>
+          <a:solidFill>
+            <a:schemeClr val="bg1">
+              <a:lumMod val="85000"/>
+            </a:schemeClr>
+          </a:solidFill>
+          <a:ln>
+            <a:solidFill>
+              <a:schemeClr val="tx1">
+                <a:lumMod val="50000"/>
+                <a:lumOff val="50000"/>
+              </a:schemeClr>
+            </a:solidFill>
+          </a:ln>
+        </p:spPr>
+        <p:style>
+          <a:lnRef idx="2">
+            <a:schemeClr val="accent1">
+              <a:shade val="50000"/>
+            </a:schemeClr>
+          </a:lnRef>
+          <a:fillRef idx="1">
+            <a:schemeClr val="accent1"/>
+          </a:fillRef>
+          <a:effectRef idx="0">
+            <a:schemeClr val="accent1"/>
+          </a:effectRef>
+          <a:fontRef idx="minor">
+            <a:schemeClr val="lt1"/>
+          </a:fontRef>
+        </p:style>
+        <p:txBody>
+          <a:bodyPr rtlCol="0" anchor="ctr"/>
+          <a:lstStyle/>
+          <a:p>
+            <a:pPr algn="ctr"/>
+            <a:r>
+              <a:rPr lang="en-US" sz="1400" dirty="0">
+                <a:solidFill>
+                  <a:schemeClr val="tx1"/>
+                </a:solidFill>
+              </a:rPr>
+              <a:t>4</a:t>
+            </a:r>
+          </a:p>
+        </p:txBody>
+      </p:sp>
+      <p:sp>
+        <p:nvSpPr>
+          <p:cNvPr id="70" name="Rectangle 69">
+            <a:extLst>
+              <a:ext uri="{FF2B5EF4-FFF2-40B4-BE49-F238E27FC236}">
+                <a16:creationId xmlns:a16="http://schemas.microsoft.com/office/drawing/2014/main" id="{55D07714-3294-2041-97B3-066C6964AE0D}"/>
+              </a:ext>
+            </a:extLst>
+          </p:cNvPr>
+          <p:cNvSpPr/>
+          <p:nvPr/>
+        </p:nvSpPr>
+        <p:spPr>
+          <a:xfrm>
+            <a:off x="6007125" y="4682775"/>
+            <a:ext cx="336884" cy="336884"/>
+          </a:xfrm>
+          <a:prstGeom prst="rect">
+            <a:avLst/>
+          </a:prstGeom>
+          <a:solidFill>
+            <a:schemeClr val="bg1">
+              <a:lumMod val="85000"/>
+            </a:schemeClr>
+          </a:solidFill>
+          <a:ln>
+            <a:solidFill>
+              <a:schemeClr val="tx1">
+                <a:lumMod val="50000"/>
+                <a:lumOff val="50000"/>
+              </a:schemeClr>
+            </a:solidFill>
+          </a:ln>
+        </p:spPr>
+        <p:style>
+          <a:lnRef idx="2">
+            <a:schemeClr val="accent1">
+              <a:shade val="50000"/>
+            </a:schemeClr>
+          </a:lnRef>
+          <a:fillRef idx="1">
+            <a:schemeClr val="accent1"/>
+          </a:fillRef>
+          <a:effectRef idx="0">
+            <a:schemeClr val="accent1"/>
+          </a:effectRef>
+          <a:fontRef idx="minor">
+            <a:schemeClr val="lt1"/>
+          </a:fontRef>
+        </p:style>
+        <p:txBody>
+          <a:bodyPr rtlCol="0" anchor="ctr"/>
+          <a:lstStyle/>
+          <a:p>
+            <a:pPr algn="ctr"/>
+            <a:r>
+              <a:rPr lang="en-US" sz="1400" dirty="0">
+                <a:solidFill>
+                  <a:schemeClr val="tx1"/>
+                </a:solidFill>
+              </a:rPr>
+              <a:t>1</a:t>
+            </a:r>
+          </a:p>
+        </p:txBody>
+      </p:sp>
+      <p:sp>
+        <p:nvSpPr>
+          <p:cNvPr id="71" name="Rectangle 70">
+            <a:extLst>
+              <a:ext uri="{FF2B5EF4-FFF2-40B4-BE49-F238E27FC236}">
+                <a16:creationId xmlns:a16="http://schemas.microsoft.com/office/drawing/2014/main" id="{51788DA9-43CA-1E49-9CD5-1FCC9D659387}"/>
+              </a:ext>
+            </a:extLst>
+          </p:cNvPr>
+          <p:cNvSpPr/>
+          <p:nvPr/>
+        </p:nvSpPr>
+        <p:spPr>
+          <a:xfrm>
+            <a:off x="6007125" y="5100166"/>
+            <a:ext cx="336884" cy="336884"/>
+          </a:xfrm>
+          <a:prstGeom prst="rect">
+            <a:avLst/>
+          </a:prstGeom>
+          <a:solidFill>
+            <a:schemeClr val="bg1">
+              <a:lumMod val="85000"/>
+            </a:schemeClr>
+          </a:solidFill>
+          <a:ln>
+            <a:solidFill>
+              <a:schemeClr val="tx1">
+                <a:lumMod val="50000"/>
+                <a:lumOff val="50000"/>
+              </a:schemeClr>
+            </a:solidFill>
+          </a:ln>
+        </p:spPr>
+        <p:style>
+          <a:lnRef idx="2">
+            <a:schemeClr val="accent1">
+              <a:shade val="50000"/>
+            </a:schemeClr>
+          </a:lnRef>
+          <a:fillRef idx="1">
+            <a:schemeClr val="accent1"/>
+          </a:fillRef>
+          <a:effectRef idx="0">
+            <a:schemeClr val="accent1"/>
+          </a:effectRef>
+          <a:fontRef idx="minor">
+            <a:schemeClr val="lt1"/>
+          </a:fontRef>
+        </p:style>
+        <p:txBody>
+          <a:bodyPr rtlCol="0" anchor="ctr"/>
+          <a:lstStyle/>
+          <a:p>
+            <a:pPr algn="ctr"/>
+            <a:r>
+              <a:rPr lang="en-US" sz="1400" dirty="0">
+                <a:solidFill>
+                  <a:schemeClr val="tx1"/>
+                </a:solidFill>
+              </a:rPr>
+              <a:t>0</a:t>
+            </a:r>
+          </a:p>
+        </p:txBody>
+      </p:sp>
+      <p:sp>
+        <p:nvSpPr>
+          <p:cNvPr id="72" name="Rectangle 71">
+            <a:extLst>
+              <a:ext uri="{FF2B5EF4-FFF2-40B4-BE49-F238E27FC236}">
+                <a16:creationId xmlns:a16="http://schemas.microsoft.com/office/drawing/2014/main" id="{779CF281-41A6-DE4D-8650-02B54FECE2B9}"/>
+              </a:ext>
+            </a:extLst>
+          </p:cNvPr>
+          <p:cNvSpPr/>
+          <p:nvPr/>
+        </p:nvSpPr>
+        <p:spPr>
+          <a:xfrm>
+            <a:off x="6007125" y="5517806"/>
+            <a:ext cx="336884" cy="336884"/>
+          </a:xfrm>
+          <a:prstGeom prst="rect">
+            <a:avLst/>
+          </a:prstGeom>
+          <a:solidFill>
+            <a:schemeClr val="bg1">
+              <a:lumMod val="85000"/>
+            </a:schemeClr>
+          </a:solidFill>
+          <a:ln>
+            <a:solidFill>
+              <a:schemeClr val="tx1">
+                <a:lumMod val="50000"/>
+                <a:lumOff val="50000"/>
+              </a:schemeClr>
+            </a:solidFill>
+          </a:ln>
+        </p:spPr>
+        <p:style>
+          <a:lnRef idx="2">
+            <a:schemeClr val="accent1">
+              <a:shade val="50000"/>
+            </a:schemeClr>
+          </a:lnRef>
+          <a:fillRef idx="1">
+            <a:schemeClr val="accent1"/>
+          </a:fillRef>
+          <a:effectRef idx="0">
+            <a:schemeClr val="accent1"/>
+          </a:effectRef>
+          <a:fontRef idx="minor">
+            <a:schemeClr val="lt1"/>
+          </a:fontRef>
+        </p:style>
+        <p:txBody>
+          <a:bodyPr rtlCol="0" anchor="ctr"/>
+          <a:lstStyle/>
+          <a:p>
+            <a:pPr algn="ctr"/>
+            <a:r>
+              <a:rPr lang="en-US" sz="1400" dirty="0">
+                <a:solidFill>
+                  <a:schemeClr val="tx1"/>
+                </a:solidFill>
+              </a:rPr>
+              <a:t>4</a:t>
+            </a:r>
+          </a:p>
+        </p:txBody>
+      </p:sp>
+      <p:sp>
+        <p:nvSpPr>
+          <p:cNvPr id="73" name="Rectangle 72">
+            <a:extLst>
+              <a:ext uri="{FF2B5EF4-FFF2-40B4-BE49-F238E27FC236}">
+                <a16:creationId xmlns:a16="http://schemas.microsoft.com/office/drawing/2014/main" id="{8F15F5B5-0937-9943-9F26-E2582F447E2A}"/>
+              </a:ext>
+            </a:extLst>
+          </p:cNvPr>
+          <p:cNvSpPr/>
+          <p:nvPr/>
+        </p:nvSpPr>
+        <p:spPr>
+          <a:xfrm>
+            <a:off x="7109784" y="4682775"/>
+            <a:ext cx="336884" cy="336884"/>
+          </a:xfrm>
+          <a:prstGeom prst="rect">
+            <a:avLst/>
+          </a:prstGeom>
+          <a:solidFill>
+            <a:schemeClr val="bg1">
+              <a:lumMod val="85000"/>
+            </a:schemeClr>
+          </a:solidFill>
+          <a:ln>
+            <a:solidFill>
+              <a:schemeClr val="tx1">
+                <a:lumMod val="50000"/>
+                <a:lumOff val="50000"/>
+              </a:schemeClr>
+            </a:solidFill>
+          </a:ln>
+        </p:spPr>
+        <p:style>
+          <a:lnRef idx="2">
+            <a:schemeClr val="accent1">
+              <a:shade val="50000"/>
+            </a:schemeClr>
+          </a:lnRef>
+          <a:fillRef idx="1">
+            <a:schemeClr val="accent1"/>
+          </a:fillRef>
+          <a:effectRef idx="0">
+            <a:schemeClr val="accent1"/>
+          </a:effectRef>
+          <a:fontRef idx="minor">
+            <a:schemeClr val="lt1"/>
+          </a:fontRef>
+        </p:style>
+        <p:txBody>
+          <a:bodyPr rtlCol="0" anchor="ctr"/>
+          <a:lstStyle/>
+          <a:p>
+            <a:pPr algn="ctr"/>
+            <a:r>
+              <a:rPr lang="en-US" sz="1400" dirty="0">
+                <a:solidFill>
+                  <a:schemeClr val="tx1"/>
+                </a:solidFill>
+              </a:rPr>
+              <a:t>1</a:t>
+            </a:r>
+          </a:p>
+        </p:txBody>
+      </p:sp>
+      <p:sp>
+        <p:nvSpPr>
+          <p:cNvPr id="74" name="Rectangle 73">
+            <a:extLst>
+              <a:ext uri="{FF2B5EF4-FFF2-40B4-BE49-F238E27FC236}">
+                <a16:creationId xmlns:a16="http://schemas.microsoft.com/office/drawing/2014/main" id="{CB64CC80-96D4-B542-A5B9-3DF3A213C612}"/>
+              </a:ext>
+            </a:extLst>
+          </p:cNvPr>
+          <p:cNvSpPr/>
+          <p:nvPr/>
+        </p:nvSpPr>
+        <p:spPr>
+          <a:xfrm>
+            <a:off x="7109784" y="5100166"/>
+            <a:ext cx="336884" cy="336884"/>
+          </a:xfrm>
+          <a:prstGeom prst="rect">
+            <a:avLst/>
+          </a:prstGeom>
+          <a:solidFill>
+            <a:schemeClr val="bg1">
+              <a:lumMod val="85000"/>
+            </a:schemeClr>
+          </a:solidFill>
+          <a:ln>
+            <a:solidFill>
+              <a:schemeClr val="tx1">
+                <a:lumMod val="50000"/>
+                <a:lumOff val="50000"/>
+              </a:schemeClr>
+            </a:solidFill>
+          </a:ln>
+        </p:spPr>
+        <p:style>
+          <a:lnRef idx="2">
+            <a:schemeClr val="accent1">
+              <a:shade val="50000"/>
+            </a:schemeClr>
+          </a:lnRef>
+          <a:fillRef idx="1">
+            <a:schemeClr val="accent1"/>
+          </a:fillRef>
+          <a:effectRef idx="0">
+            <a:schemeClr val="accent1"/>
+          </a:effectRef>
+          <a:fontRef idx="minor">
+            <a:schemeClr val="lt1"/>
+          </a:fontRef>
+        </p:style>
+        <p:txBody>
+          <a:bodyPr rtlCol="0" anchor="ctr"/>
+          <a:lstStyle/>
+          <a:p>
+            <a:pPr algn="ctr"/>
+            <a:r>
+              <a:rPr lang="en-US" sz="1400" dirty="0">
+                <a:solidFill>
+                  <a:schemeClr val="tx1"/>
+                </a:solidFill>
+              </a:rPr>
+              <a:t>0</a:t>
+            </a:r>
+          </a:p>
+        </p:txBody>
+      </p:sp>
+      <p:sp>
+        <p:nvSpPr>
+          <p:cNvPr id="75" name="Rectangle 74">
+            <a:extLst>
+              <a:ext uri="{FF2B5EF4-FFF2-40B4-BE49-F238E27FC236}">
+                <a16:creationId xmlns:a16="http://schemas.microsoft.com/office/drawing/2014/main" id="{37927104-A140-8648-AD8B-E76EAE52DBD7}"/>
+              </a:ext>
+            </a:extLst>
+          </p:cNvPr>
+          <p:cNvSpPr/>
+          <p:nvPr/>
+        </p:nvSpPr>
+        <p:spPr>
+          <a:xfrm>
+            <a:off x="7109784" y="5517806"/>
+            <a:ext cx="336884" cy="336884"/>
+          </a:xfrm>
+          <a:prstGeom prst="rect">
+            <a:avLst/>
+          </a:prstGeom>
+          <a:solidFill>
+            <a:schemeClr val="bg1">
+              <a:lumMod val="85000"/>
+            </a:schemeClr>
+          </a:solidFill>
+          <a:ln>
+            <a:solidFill>
+              <a:schemeClr val="tx1">
+                <a:lumMod val="50000"/>
+                <a:lumOff val="50000"/>
+              </a:schemeClr>
+            </a:solidFill>
+          </a:ln>
+        </p:spPr>
+        <p:style>
+          <a:lnRef idx="2">
+            <a:schemeClr val="accent1">
+              <a:shade val="50000"/>
+            </a:schemeClr>
+          </a:lnRef>
+          <a:fillRef idx="1">
+            <a:schemeClr val="accent1"/>
+          </a:fillRef>
+          <a:effectRef idx="0">
+            <a:schemeClr val="accent1"/>
+          </a:effectRef>
+          <a:fontRef idx="minor">
+            <a:schemeClr val="lt1"/>
+          </a:fontRef>
+        </p:style>
+        <p:txBody>
+          <a:bodyPr rtlCol="0" anchor="ctr"/>
+          <a:lstStyle/>
+          <a:p>
+            <a:pPr algn="ctr"/>
+            <a:r>
+              <a:rPr lang="en-US" sz="1400" dirty="0">
+                <a:solidFill>
+                  <a:schemeClr val="tx1"/>
+                </a:solidFill>
+              </a:rPr>
+              <a:t>4</a:t>
+            </a:r>
+          </a:p>
+        </p:txBody>
+      </p:sp>
+      <p:sp>
+        <p:nvSpPr>
+          <p:cNvPr id="16" name="Rectangle 15">
+            <a:extLst>
+              <a:ext uri="{FF2B5EF4-FFF2-40B4-BE49-F238E27FC236}">
+                <a16:creationId xmlns:a16="http://schemas.microsoft.com/office/drawing/2014/main" id="{FB6AFB7C-1E76-BC46-B6D3-9C47CCC74C23}"/>
+              </a:ext>
+            </a:extLst>
+          </p:cNvPr>
+          <p:cNvSpPr/>
+          <p:nvPr/>
+        </p:nvSpPr>
+        <p:spPr>
+          <a:xfrm>
+            <a:off x="6192983" y="5233"/>
+            <a:ext cx="5328000" cy="1440000"/>
+          </a:xfrm>
+          <a:prstGeom prst="rect">
+            <a:avLst/>
+          </a:prstGeom>
+          <a:solidFill>
+            <a:schemeClr val="bg1"/>
+          </a:solidFill>
+          <a:ln>
+            <a:noFill/>
+          </a:ln>
+        </p:spPr>
+        <p:style>
+          <a:lnRef idx="2">
+            <a:schemeClr val="accent1">
+              <a:shade val="50000"/>
+            </a:schemeClr>
+          </a:lnRef>
+          <a:fillRef idx="1">
+            <a:schemeClr val="accent1"/>
+          </a:fillRef>
+          <a:effectRef idx="0">
+            <a:schemeClr val="accent1"/>
+          </a:effectRef>
+          <a:fontRef idx="minor">
+            <a:schemeClr val="lt1"/>
+          </a:fontRef>
+        </p:style>
+        <p:txBody>
+          <a:bodyPr lIns="251999" tIns="0" rIns="251999" bIns="0" rtlCol="0" anchor="ctr"/>
+          <a:lstStyle/>
+          <a:p>
+            <a:pPr algn="r"/>
+            <a:r>
+              <a:rPr lang="en-US" sz="7200" dirty="0">
+                <a:solidFill>
+                  <a:schemeClr val="tx1"/>
+                </a:solidFill>
+                <a:latin typeface="DIN Condensed" pitchFamily="2" charset="0"/>
+              </a:rPr>
+              <a:t>data analysis...</a:t>
+            </a:r>
+          </a:p>
+        </p:txBody>
+      </p:sp>
+      <p:sp>
+        <p:nvSpPr>
+          <p:cNvPr id="77" name="Rectangle 76">
+            <a:extLst>
+              <a:ext uri="{FF2B5EF4-FFF2-40B4-BE49-F238E27FC236}">
+                <a16:creationId xmlns:a16="http://schemas.microsoft.com/office/drawing/2014/main" id="{A885C2DB-2002-F54F-B389-445DD5C7B19B}"/>
+              </a:ext>
+            </a:extLst>
+          </p:cNvPr>
+          <p:cNvSpPr/>
+          <p:nvPr/>
+        </p:nvSpPr>
+        <p:spPr>
+          <a:xfrm>
+            <a:off x="6192983" y="2015097"/>
+            <a:ext cx="5328000" cy="1440000"/>
+          </a:xfrm>
+          <a:prstGeom prst="rect">
+            <a:avLst/>
+          </a:prstGeom>
+          <a:solidFill>
+            <a:schemeClr val="bg1"/>
+          </a:solidFill>
+          <a:ln>
+            <a:noFill/>
+          </a:ln>
+        </p:spPr>
+        <p:style>
+          <a:lnRef idx="2">
+            <a:schemeClr val="accent1">
+              <a:shade val="50000"/>
+            </a:schemeClr>
+          </a:lnRef>
+          <a:fillRef idx="1">
+            <a:schemeClr val="accent1"/>
+          </a:fillRef>
+          <a:effectRef idx="0">
+            <a:schemeClr val="accent1"/>
+          </a:effectRef>
+          <a:fontRef idx="minor">
+            <a:schemeClr val="lt1"/>
+          </a:fontRef>
+        </p:style>
+        <p:txBody>
+          <a:bodyPr lIns="251999" tIns="0" rIns="251999" bIns="0" rtlCol="0" anchor="ctr"/>
+          <a:lstStyle/>
+          <a:p>
+            <a:pPr algn="r"/>
+            <a:r>
+              <a:rPr lang="en-US" sz="7200" dirty="0">
+                <a:solidFill>
+                  <a:schemeClr val="tx1"/>
+                </a:solidFill>
+                <a:latin typeface="DIN Condensed" pitchFamily="2" charset="0"/>
+              </a:rPr>
+              <a:t>and backward</a:t>
+            </a:r>
+          </a:p>
+        </p:txBody>
+      </p:sp>
+    </p:spTree>
+    <p:extLst>
+      <p:ext uri="{BB962C8B-B14F-4D97-AF65-F5344CB8AC3E}">
+        <p14:creationId xmlns:p14="http://schemas.microsoft.com/office/powerpoint/2010/main" val="1078693583"/>
+      </p:ext>
+    </p:extLst>
+  </p:cSld>
+  <p:clrMapOvr>
+    <a:masterClrMapping/>
+  </p:clrMapOvr>
+</p:sld>
+</file>
+
+<file path=ppt/slides/slide7.xml><?xml version="1.0" encoding="utf-8"?>
+<p:sld xmlns:a="http://schemas.openxmlformats.org/drawingml/2006/main" xmlns:r="http://schemas.openxmlformats.org/officeDocument/2006/relationships" xmlns:p="http://schemas.openxmlformats.org/presentationml/2006/main">
+  <p:cSld>
+    <p:spTree>
+      <p:nvGrpSpPr>
+        <p:cNvPr id="1" name=""/>
+        <p:cNvGrpSpPr/>
+        <p:nvPr/>
+      </p:nvGrpSpPr>
+      <p:grpSpPr>
+        <a:xfrm>
+          <a:off x="0" y="0"/>
+          <a:ext cx="0" cy="0"/>
+          <a:chOff x="0" y="0"/>
+          <a:chExt cx="0" cy="0"/>
+        </a:xfrm>
+      </p:grpSpPr>
+      <p:sp>
+        <p:nvSpPr>
           <p:cNvPr id="296" name="Rectangle 295">
             <a:extLst>
               <a:ext uri="{FF2B5EF4-FFF2-40B4-BE49-F238E27FC236}">
@@ -29061,7 +30880,7 @@
 </p:sld>
 </file>
 
-<file path=ppt/slides/slide7.xml><?xml version="1.0" encoding="utf-8"?>
+<file path=ppt/slides/slide8.xml><?xml version="1.0" encoding="utf-8"?>
 <p:sld xmlns:a="http://schemas.openxmlformats.org/drawingml/2006/main" xmlns:r="http://schemas.openxmlformats.org/officeDocument/2006/relationships" xmlns:p="http://schemas.openxmlformats.org/presentationml/2006/main">
   <p:cSld>
     <p:spTree>
